--- a/angular2/slides/07_directives.pptx
+++ b/angular2/slides/07_directives.pptx
@@ -15,12 +15,12 @@
     <p:sldId id="328" r:id="rId3"/>
     <p:sldId id="330" r:id="rId4"/>
     <p:sldId id="335" r:id="rId5"/>
-    <p:sldId id="333" r:id="rId6"/>
-    <p:sldId id="334" r:id="rId7"/>
-    <p:sldId id="329" r:id="rId8"/>
+    <p:sldId id="338" r:id="rId6"/>
+    <p:sldId id="333" r:id="rId7"/>
+    <p:sldId id="334" r:id="rId8"/>
     <p:sldId id="331" r:id="rId9"/>
-    <p:sldId id="332" r:id="rId10"/>
-    <p:sldId id="336" r:id="rId11"/>
+    <p:sldId id="339" r:id="rId10"/>
+    <p:sldId id="332" r:id="rId11"/>
     <p:sldId id="337" r:id="rId12"/>
   </p:sldIdLst>
   <p:sldSz cx="9144000" cy="6858000" type="screen4x3"/>
@@ -274,7 +274,7 @@
               <a:pPr>
                 <a:defRPr/>
               </a:pPr>
-              <a:t>12/28/2015</a:t>
+              <a:t>12/30/2015</a:t>
             </a:fld>
             <a:endParaRPr lang="en-US"/>
           </a:p>
@@ -2403,7 +2403,6 @@
               <a:rPr lang="en-US" sz="3200" dirty="0" smtClean="0"/>
               <a:t>Components and Directives</a:t>
             </a:r>
-            <a:endParaRPr lang="en-US" sz="3200" dirty="0" smtClean="0"/>
           </a:p>
           <a:p>
             <a:pPr defTabSz="914400" eaLnBrk="1" hangingPunct="1"/>
@@ -2418,7 +2417,6 @@
               <a:rPr lang="en-US" dirty="0" smtClean="0"/>
               <a:t>&lt;/custom-html&gt;</a:t>
             </a:r>
-            <a:endParaRPr lang="en-US" dirty="0" smtClean="0"/>
           </a:p>
         </p:txBody>
       </p:sp>
@@ -2508,19 +2506,11 @@
           <a:p>
             <a:r>
               <a:rPr lang="en-US" dirty="0" smtClean="0"/>
-              <a:t>@</a:t>
+              <a:t>Directives and </a:t>
             </a:r>
             <a:r>
               <a:rPr lang="en-US" dirty="0" err="1" smtClean="0"/>
-              <a:t>HostBinding</a:t>
-            </a:r>
-            <a:r>
-              <a:rPr lang="en-US" dirty="0" smtClean="0"/>
-              <a:t> @</a:t>
-            </a:r>
-            <a:r>
-              <a:rPr lang="en-US" dirty="0" err="1" smtClean="0"/>
-              <a:t>HostListener</a:t>
+              <a:t>ViewContainers</a:t>
             </a:r>
             <a:endParaRPr lang="en-US" dirty="0"/>
           </a:p>
@@ -2541,14 +2531,42 @@
           <a:bodyPr/>
           <a:lstStyle/>
           <a:p>
-            <a:endParaRPr lang="en-US"/>
+            <a:r>
+              <a:rPr lang="en-US" dirty="0" smtClean="0"/>
+              <a:t>Manage templates using a view container</a:t>
+            </a:r>
+            <a:endParaRPr lang="en-US" dirty="0"/>
           </a:p>
         </p:txBody>
       </p:sp>
+      <p:pic>
+        <p:nvPicPr>
+          <p:cNvPr id="5" name="Picture 4"/>
+          <p:cNvPicPr>
+            <a:picLocks noChangeAspect="1"/>
+          </p:cNvPicPr>
+          <p:nvPr/>
+        </p:nvPicPr>
+        <p:blipFill>
+          <a:blip r:embed="rId2"/>
+          <a:stretch>
+            <a:fillRect/>
+          </a:stretch>
+        </p:blipFill>
+        <p:spPr>
+          <a:xfrm>
+            <a:off x="90487" y="2274736"/>
+            <a:ext cx="8963025" cy="3657600"/>
+          </a:xfrm>
+          <a:prstGeom prst="rect">
+            <a:avLst/>
+          </a:prstGeom>
+        </p:spPr>
+      </p:pic>
     </p:spTree>
     <p:extLst>
       <p:ext uri="{BB962C8B-B14F-4D97-AF65-F5344CB8AC3E}">
-        <p14:creationId xmlns:p14="http://schemas.microsoft.com/office/powerpoint/2010/main" val="1305825188"/>
+        <p14:creationId xmlns:p14="http://schemas.microsoft.com/office/powerpoint/2010/main" val="64057761"/>
       </p:ext>
     </p:extLst>
   </p:cSld>
@@ -2616,10 +2634,52 @@
           <a:bodyPr/>
           <a:lstStyle/>
           <a:p>
+            <a:r>
+              <a:rPr lang="en-US" dirty="0" smtClean="0"/>
+              <a:t>Angular 2 encourages you to build components</a:t>
+            </a:r>
+          </a:p>
+          <a:p>
+            <a:pPr lvl="1"/>
+            <a:r>
+              <a:rPr lang="en-US" dirty="0" smtClean="0"/>
+              <a:t>Self describing UI building blocks</a:t>
+            </a:r>
+          </a:p>
+          <a:p>
+            <a:pPr lvl="1"/>
+            <a:r>
+              <a:rPr lang="en-US" smtClean="0"/>
+              <a:t>Extend HTML</a:t>
+            </a:r>
             <a:endParaRPr lang="en-US"/>
           </a:p>
         </p:txBody>
       </p:sp>
+      <p:pic>
+        <p:nvPicPr>
+          <p:cNvPr id="4" name="Picture 3"/>
+          <p:cNvPicPr>
+            <a:picLocks noChangeAspect="1"/>
+          </p:cNvPicPr>
+          <p:nvPr/>
+        </p:nvPicPr>
+        <p:blipFill>
+          <a:blip r:embed="rId2"/>
+          <a:stretch>
+            <a:fillRect/>
+          </a:stretch>
+        </p:blipFill>
+        <p:spPr>
+          <a:xfrm>
+            <a:off x="2286000" y="3124200"/>
+            <a:ext cx="4381500" cy="685800"/>
+          </a:xfrm>
+          <a:prstGeom prst="rect">
+            <a:avLst/>
+          </a:prstGeom>
+        </p:spPr>
+      </p:pic>
     </p:spTree>
     <p:extLst>
       <p:ext uri="{BB962C8B-B14F-4D97-AF65-F5344CB8AC3E}">
@@ -2633,6 +2693,89 @@
   <p:transition>
     <p:fade/>
   </p:transition>
+  <p:timing>
+    <p:tnLst>
+      <p:par>
+        <p:cTn id="1" dur="indefinite" restart="never" nodeType="tmRoot">
+          <p:childTnLst>
+            <p:seq concurrent="1" nextAc="seek">
+              <p:cTn id="2" dur="indefinite" nodeType="mainSeq">
+                <p:childTnLst>
+                  <p:par>
+                    <p:cTn id="3" fill="hold">
+                      <p:stCondLst>
+                        <p:cond delay="indefinite"/>
+                      </p:stCondLst>
+                      <p:childTnLst>
+                        <p:par>
+                          <p:cTn id="4" fill="hold">
+                            <p:stCondLst>
+                              <p:cond delay="0"/>
+                            </p:stCondLst>
+                            <p:childTnLst>
+                              <p:par>
+                                <p:cTn id="5" presetID="10" presetClass="entr" presetSubtype="0" fill="hold" nodeType="clickEffect">
+                                  <p:stCondLst>
+                                    <p:cond delay="0"/>
+                                  </p:stCondLst>
+                                  <p:childTnLst>
+                                    <p:set>
+                                      <p:cBhvr>
+                                        <p:cTn id="6" dur="1" fill="hold">
+                                          <p:stCondLst>
+                                            <p:cond delay="0"/>
+                                          </p:stCondLst>
+                                        </p:cTn>
+                                        <p:tgtEl>
+                                          <p:spTgt spid="4"/>
+                                        </p:tgtEl>
+                                        <p:attrNameLst>
+                                          <p:attrName>style.visibility</p:attrName>
+                                        </p:attrNameLst>
+                                      </p:cBhvr>
+                                      <p:to>
+                                        <p:strVal val="visible"/>
+                                      </p:to>
+                                    </p:set>
+                                    <p:animEffect transition="in" filter="fade">
+                                      <p:cBhvr>
+                                        <p:cTn id="7" dur="500"/>
+                                        <p:tgtEl>
+                                          <p:spTgt spid="4"/>
+                                        </p:tgtEl>
+                                      </p:cBhvr>
+                                    </p:animEffect>
+                                  </p:childTnLst>
+                                </p:cTn>
+                              </p:par>
+                            </p:childTnLst>
+                          </p:cTn>
+                        </p:par>
+                      </p:childTnLst>
+                    </p:cTn>
+                  </p:par>
+                </p:childTnLst>
+              </p:cTn>
+              <p:prevCondLst>
+                <p:cond evt="onPrev" delay="0">
+                  <p:tgtEl>
+                    <p:sldTgt/>
+                  </p:tgtEl>
+                </p:cond>
+              </p:prevCondLst>
+              <p:nextCondLst>
+                <p:cond evt="onNext" delay="0">
+                  <p:tgtEl>
+                    <p:sldTgt/>
+                  </p:tgtEl>
+                </p:cond>
+              </p:nextCondLst>
+            </p:seq>
+          </p:childTnLst>
+        </p:cTn>
+      </p:par>
+    </p:tnLst>
+  </p:timing>
 </p:sld>
 </file>
 
@@ -2691,10 +2834,100 @@
           <a:bodyPr/>
           <a:lstStyle/>
           <a:p>
-            <a:endParaRPr lang="en-US"/>
+            <a:r>
+              <a:rPr lang="en-US" dirty="0" smtClean="0"/>
+              <a:t>Reusable, </a:t>
+            </a:r>
+            <a:r>
+              <a:rPr lang="en-US" dirty="0" err="1" smtClean="0"/>
+              <a:t>composable</a:t>
+            </a:r>
+            <a:r>
+              <a:rPr lang="en-US" dirty="0" smtClean="0"/>
+              <a:t> UI building blocks</a:t>
+            </a:r>
+          </a:p>
+          <a:p>
+            <a:r>
+              <a:rPr lang="en-US" dirty="0" smtClean="0"/>
+              <a:t>A template is required</a:t>
+            </a:r>
+            <a:endParaRPr lang="en-US" dirty="0"/>
           </a:p>
         </p:txBody>
       </p:sp>
+      <p:pic>
+        <p:nvPicPr>
+          <p:cNvPr id="4" name="Picture 3"/>
+          <p:cNvPicPr>
+            <a:picLocks noChangeAspect="1"/>
+          </p:cNvPicPr>
+          <p:nvPr/>
+        </p:nvPicPr>
+        <p:blipFill>
+          <a:blip r:embed="rId2"/>
+          <a:stretch>
+            <a:fillRect/>
+          </a:stretch>
+        </p:blipFill>
+        <p:spPr>
+          <a:xfrm>
+            <a:off x="533400" y="2665012"/>
+            <a:ext cx="4962525" cy="3276600"/>
+          </a:xfrm>
+          <a:prstGeom prst="rect">
+            <a:avLst/>
+          </a:prstGeom>
+        </p:spPr>
+      </p:pic>
+      <p:pic>
+        <p:nvPicPr>
+          <p:cNvPr id="5" name="Picture 4"/>
+          <p:cNvPicPr>
+            <a:picLocks noChangeAspect="1"/>
+          </p:cNvPicPr>
+          <p:nvPr/>
+        </p:nvPicPr>
+        <p:blipFill>
+          <a:blip r:embed="rId3"/>
+          <a:stretch>
+            <a:fillRect/>
+          </a:stretch>
+        </p:blipFill>
+        <p:spPr>
+          <a:xfrm>
+            <a:off x="4191000" y="3352800"/>
+            <a:ext cx="4381500" cy="685800"/>
+          </a:xfrm>
+          <a:prstGeom prst="rect">
+            <a:avLst/>
+          </a:prstGeom>
+        </p:spPr>
+      </p:pic>
+      <p:pic>
+        <p:nvPicPr>
+          <p:cNvPr id="6" name="Picture 5"/>
+          <p:cNvPicPr>
+            <a:picLocks noChangeAspect="1"/>
+          </p:cNvPicPr>
+          <p:nvPr/>
+        </p:nvPicPr>
+        <p:blipFill>
+          <a:blip r:embed="rId4"/>
+          <a:stretch>
+            <a:fillRect/>
+          </a:stretch>
+        </p:blipFill>
+        <p:spPr>
+          <a:xfrm>
+            <a:off x="3848100" y="4628114"/>
+            <a:ext cx="5067300" cy="1495425"/>
+          </a:xfrm>
+          <a:prstGeom prst="rect">
+            <a:avLst/>
+          </a:prstGeom>
+        </p:spPr>
+      </p:pic>
     </p:spTree>
     <p:extLst>
       <p:ext uri="{BB962C8B-B14F-4D97-AF65-F5344CB8AC3E}">
@@ -2708,6 +2941,195 @@
   <p:transition>
     <p:fade/>
   </p:transition>
+  <p:timing>
+    <p:tnLst>
+      <p:par>
+        <p:cTn id="1" dur="indefinite" restart="never" nodeType="tmRoot">
+          <p:childTnLst>
+            <p:seq concurrent="1" nextAc="seek">
+              <p:cTn id="2" dur="indefinite" nodeType="mainSeq">
+                <p:childTnLst>
+                  <p:par>
+                    <p:cTn id="3" fill="hold">
+                      <p:stCondLst>
+                        <p:cond delay="indefinite"/>
+                      </p:stCondLst>
+                      <p:childTnLst>
+                        <p:par>
+                          <p:cTn id="4" fill="hold">
+                            <p:stCondLst>
+                              <p:cond delay="0"/>
+                            </p:stCondLst>
+                            <p:childTnLst>
+                              <p:par>
+                                <p:cTn id="5" presetID="10" presetClass="entr" presetSubtype="0" fill="hold" nodeType="clickEffect">
+                                  <p:stCondLst>
+                                    <p:cond delay="0"/>
+                                  </p:stCondLst>
+                                  <p:childTnLst>
+                                    <p:set>
+                                      <p:cBhvr>
+                                        <p:cTn id="6" dur="1" fill="hold">
+                                          <p:stCondLst>
+                                            <p:cond delay="0"/>
+                                          </p:stCondLst>
+                                        </p:cTn>
+                                        <p:tgtEl>
+                                          <p:spTgt spid="4"/>
+                                        </p:tgtEl>
+                                        <p:attrNameLst>
+                                          <p:attrName>style.visibility</p:attrName>
+                                        </p:attrNameLst>
+                                      </p:cBhvr>
+                                      <p:to>
+                                        <p:strVal val="visible"/>
+                                      </p:to>
+                                    </p:set>
+                                    <p:animEffect transition="in" filter="fade">
+                                      <p:cBhvr>
+                                        <p:cTn id="7" dur="500"/>
+                                        <p:tgtEl>
+                                          <p:spTgt spid="4"/>
+                                        </p:tgtEl>
+                                      </p:cBhvr>
+                                    </p:animEffect>
+                                  </p:childTnLst>
+                                </p:cTn>
+                              </p:par>
+                            </p:childTnLst>
+                          </p:cTn>
+                        </p:par>
+                      </p:childTnLst>
+                    </p:cTn>
+                  </p:par>
+                  <p:par>
+                    <p:cTn id="8" fill="hold">
+                      <p:stCondLst>
+                        <p:cond delay="indefinite"/>
+                      </p:stCondLst>
+                      <p:childTnLst>
+                        <p:par>
+                          <p:cTn id="9" fill="hold">
+                            <p:stCondLst>
+                              <p:cond delay="0"/>
+                            </p:stCondLst>
+                            <p:childTnLst>
+                              <p:par>
+                                <p:cTn id="10" presetID="10" presetClass="entr" presetSubtype="0" fill="hold" nodeType="clickEffect">
+                                  <p:stCondLst>
+                                    <p:cond delay="0"/>
+                                  </p:stCondLst>
+                                  <p:childTnLst>
+                                    <p:set>
+                                      <p:cBhvr>
+                                        <p:cTn id="11" dur="1" fill="hold">
+                                          <p:stCondLst>
+                                            <p:cond delay="0"/>
+                                          </p:stCondLst>
+                                        </p:cTn>
+                                        <p:tgtEl>
+                                          <p:spTgt spid="5"/>
+                                        </p:tgtEl>
+                                        <p:attrNameLst>
+                                          <p:attrName>style.visibility</p:attrName>
+                                        </p:attrNameLst>
+                                      </p:cBhvr>
+                                      <p:to>
+                                        <p:strVal val="visible"/>
+                                      </p:to>
+                                    </p:set>
+                                    <p:animEffect transition="in" filter="fade">
+                                      <p:cBhvr>
+                                        <p:cTn id="12" dur="500"/>
+                                        <p:tgtEl>
+                                          <p:spTgt spid="5"/>
+                                        </p:tgtEl>
+                                      </p:cBhvr>
+                                    </p:animEffect>
+                                  </p:childTnLst>
+                                </p:cTn>
+                              </p:par>
+                            </p:childTnLst>
+                          </p:cTn>
+                        </p:par>
+                      </p:childTnLst>
+                    </p:cTn>
+                  </p:par>
+                  <p:par>
+                    <p:cTn id="13" fill="hold">
+                      <p:stCondLst>
+                        <p:cond delay="indefinite"/>
+                      </p:stCondLst>
+                      <p:childTnLst>
+                        <p:par>
+                          <p:cTn id="14" fill="hold">
+                            <p:stCondLst>
+                              <p:cond delay="0"/>
+                            </p:stCondLst>
+                            <p:childTnLst>
+                              <p:par>
+                                <p:cTn id="15" presetID="10" presetClass="entr" presetSubtype="0" fill="hold" nodeType="clickEffect">
+                                  <p:stCondLst>
+                                    <p:cond delay="0"/>
+                                  </p:stCondLst>
+                                  <p:childTnLst>
+                                    <p:set>
+                                      <p:cBhvr>
+                                        <p:cTn id="16" dur="1" fill="hold">
+                                          <p:stCondLst>
+                                            <p:cond delay="0"/>
+                                          </p:stCondLst>
+                                        </p:cTn>
+                                        <p:tgtEl>
+                                          <p:spTgt spid="6"/>
+                                        </p:tgtEl>
+                                        <p:attrNameLst>
+                                          <p:attrName>style.visibility</p:attrName>
+                                        </p:attrNameLst>
+                                      </p:cBhvr>
+                                      <p:to>
+                                        <p:strVal val="visible"/>
+                                      </p:to>
+                                    </p:set>
+                                    <p:animEffect transition="in" filter="fade">
+                                      <p:cBhvr>
+                                        <p:cTn id="17" dur="500"/>
+                                        <p:tgtEl>
+                                          <p:spTgt spid="6"/>
+                                        </p:tgtEl>
+                                      </p:cBhvr>
+                                    </p:animEffect>
+                                  </p:childTnLst>
+                                </p:cTn>
+                              </p:par>
+                            </p:childTnLst>
+                          </p:cTn>
+                        </p:par>
+                      </p:childTnLst>
+                    </p:cTn>
+                  </p:par>
+                </p:childTnLst>
+              </p:cTn>
+              <p:prevCondLst>
+                <p:cond evt="onPrev" delay="0">
+                  <p:tgtEl>
+                    <p:sldTgt/>
+                  </p:tgtEl>
+                </p:cond>
+              </p:prevCondLst>
+              <p:nextCondLst>
+                <p:cond evt="onNext" delay="0">
+                  <p:tgtEl>
+                    <p:sldTgt/>
+                  </p:tgtEl>
+                </p:cond>
+              </p:nextCondLst>
+            </p:seq>
+          </p:childTnLst>
+        </p:cTn>
+      </p:par>
+    </p:tnLst>
+  </p:timing>
 </p:sld>
 </file>
 
@@ -2766,10 +3188,51 @@
           <a:bodyPr/>
           <a:lstStyle/>
           <a:p>
-            <a:endParaRPr lang="en-US"/>
+            <a:r>
+              <a:rPr lang="en-US" dirty="0" smtClean="0"/>
+              <a:t>Directives require no template</a:t>
+            </a:r>
+          </a:p>
+          <a:p>
+            <a:pPr lvl="1"/>
+            <a:r>
+              <a:rPr lang="en-US" dirty="0" smtClean="0"/>
+              <a:t>But, can work with templates</a:t>
+            </a:r>
+          </a:p>
+          <a:p>
+            <a:r>
+              <a:rPr lang="en-US" dirty="0" smtClean="0"/>
+              <a:t>Components are directives, but with a template</a:t>
+            </a:r>
+            <a:endParaRPr lang="en-US" dirty="0"/>
           </a:p>
         </p:txBody>
       </p:sp>
+      <p:pic>
+        <p:nvPicPr>
+          <p:cNvPr id="4" name="Picture 3"/>
+          <p:cNvPicPr>
+            <a:picLocks noChangeAspect="1"/>
+          </p:cNvPicPr>
+          <p:nvPr/>
+        </p:nvPicPr>
+        <p:blipFill>
+          <a:blip r:embed="rId2"/>
+          <a:stretch>
+            <a:fillRect/>
+          </a:stretch>
+        </p:blipFill>
+        <p:spPr>
+          <a:xfrm>
+            <a:off x="1447800" y="3276600"/>
+            <a:ext cx="5686425" cy="2314575"/>
+          </a:xfrm>
+          <a:prstGeom prst="rect">
+            <a:avLst/>
+          </a:prstGeom>
+        </p:spPr>
+      </p:pic>
     </p:spTree>
     <p:extLst>
       <p:ext uri="{BB962C8B-B14F-4D97-AF65-F5344CB8AC3E}">
@@ -2841,10 +3304,149 @@
           <a:bodyPr/>
           <a:lstStyle/>
           <a:p>
-            <a:endParaRPr lang="en-US"/>
+            <a:r>
+              <a:rPr lang="en-US" dirty="0" smtClean="0"/>
+              <a:t>Methods </a:t>
+            </a:r>
+            <a:r>
+              <a:rPr lang="en-US" dirty="0" err="1" smtClean="0"/>
+              <a:t>ngOnInit</a:t>
+            </a:r>
+            <a:r>
+              <a:rPr lang="en-US" dirty="0"/>
+              <a:t> </a:t>
+            </a:r>
+            <a:r>
+              <a:rPr lang="en-US" dirty="0" smtClean="0"/>
+              <a:t>and </a:t>
+            </a:r>
+            <a:r>
+              <a:rPr lang="en-US" dirty="0" err="1" smtClean="0"/>
+              <a:t>ngOnDestroy</a:t>
+            </a:r>
+            <a:r>
+              <a:rPr lang="en-US" dirty="0" smtClean="0"/>
+              <a:t> invoked by framework</a:t>
+            </a:r>
+          </a:p>
+          <a:p>
+            <a:pPr lvl="1"/>
+            <a:r>
+              <a:rPr lang="en-US" dirty="0" smtClean="0"/>
+              <a:t>Optional interfaces are </a:t>
+            </a:r>
+            <a:r>
+              <a:rPr lang="en-US" dirty="0" err="1" smtClean="0"/>
+              <a:t>OnInit</a:t>
+            </a:r>
+            <a:r>
+              <a:rPr lang="en-US" dirty="0" smtClean="0"/>
+              <a:t>, </a:t>
+            </a:r>
+            <a:r>
+              <a:rPr lang="en-US" dirty="0" err="1" smtClean="0"/>
+              <a:t>OnDestroy</a:t>
+            </a:r>
+            <a:r>
+              <a:rPr lang="en-US" dirty="0" err="1" smtClean="0"/>
+              <a:t>Also</a:t>
+            </a:r>
+            <a:r>
+              <a:rPr lang="en-US" dirty="0" smtClean="0"/>
+              <a:t> …</a:t>
+            </a:r>
+          </a:p>
+          <a:p>
+            <a:r>
+              <a:rPr lang="en-US" dirty="0" smtClean="0"/>
+              <a:t>Also …</a:t>
+            </a:r>
+          </a:p>
+          <a:p>
+            <a:pPr lvl="1"/>
+            <a:r>
+              <a:rPr lang="en-US" dirty="0" err="1" smtClean="0"/>
+              <a:t>DoCheck</a:t>
+            </a:r>
+            <a:r>
+              <a:rPr lang="en-US" dirty="0" smtClean="0"/>
+              <a:t>, </a:t>
+            </a:r>
+            <a:r>
+              <a:rPr lang="en-US" dirty="0" err="1" smtClean="0"/>
+              <a:t>OnChanges</a:t>
+            </a:r>
+            <a:r>
+              <a:rPr lang="en-US" dirty="0" smtClean="0"/>
+              <a:t>, </a:t>
+            </a:r>
+            <a:r>
+              <a:rPr lang="en-US" dirty="0" err="1" smtClean="0"/>
+              <a:t>AfterContentInit</a:t>
+            </a:r>
+            <a:r>
+              <a:rPr lang="en-US" dirty="0" smtClean="0"/>
+              <a:t>, </a:t>
+            </a:r>
+            <a:r>
+              <a:rPr lang="en-US" dirty="0" err="1" smtClean="0"/>
+              <a:t>AfterContentChecked</a:t>
+            </a:r>
+            <a:r>
+              <a:rPr lang="en-US" dirty="0" smtClean="0"/>
+              <a:t>, </a:t>
+            </a:r>
+            <a:r>
+              <a:rPr lang="en-US" dirty="0" err="1" smtClean="0"/>
+              <a:t>AfterViewInit</a:t>
+            </a:r>
+            <a:r>
+              <a:rPr lang="en-US" dirty="0" smtClean="0"/>
+              <a:t>, </a:t>
+            </a:r>
+            <a:r>
+              <a:rPr lang="en-US" dirty="0" err="1" smtClean="0"/>
+              <a:t>AfterViewChecked</a:t>
+            </a:r>
+            <a:r>
+              <a:rPr lang="en-US" dirty="0" smtClean="0"/>
+              <a:t/>
+            </a:r>
+            <a:br>
+              <a:rPr lang="en-US" dirty="0" smtClean="0"/>
+            </a:br>
+            <a:r>
+              <a:rPr lang="en-US" dirty="0" smtClean="0"/>
+              <a:t>		</a:t>
+            </a:r>
+            <a:endParaRPr lang="en-US" dirty="0"/>
           </a:p>
         </p:txBody>
       </p:sp>
+      <p:pic>
+        <p:nvPicPr>
+          <p:cNvPr id="4" name="Picture 3"/>
+          <p:cNvPicPr>
+            <a:picLocks noChangeAspect="1"/>
+          </p:cNvPicPr>
+          <p:nvPr/>
+        </p:nvPicPr>
+        <p:blipFill>
+          <a:blip r:embed="rId2"/>
+          <a:stretch>
+            <a:fillRect/>
+          </a:stretch>
+        </p:blipFill>
+        <p:spPr>
+          <a:xfrm>
+            <a:off x="990600" y="3429000"/>
+            <a:ext cx="6572250" cy="3133725"/>
+          </a:xfrm>
+          <a:prstGeom prst="rect">
+            <a:avLst/>
+          </a:prstGeom>
+        </p:spPr>
+      </p:pic>
     </p:spTree>
     <p:extLst>
       <p:ext uri="{BB962C8B-B14F-4D97-AF65-F5344CB8AC3E}">
@@ -2858,6 +3460,140 @@
   <p:transition>
     <p:fade/>
   </p:transition>
+  <p:timing>
+    <p:tnLst>
+      <p:par>
+        <p:cTn id="1" dur="indefinite" restart="never" nodeType="tmRoot">
+          <p:childTnLst>
+            <p:seq concurrent="1" nextAc="seek">
+              <p:cTn id="2" dur="indefinite" nodeType="mainSeq">
+                <p:childTnLst>
+                  <p:par>
+                    <p:cTn id="3" fill="hold">
+                      <p:stCondLst>
+                        <p:cond delay="indefinite"/>
+                      </p:stCondLst>
+                      <p:childTnLst>
+                        <p:par>
+                          <p:cTn id="4" fill="hold">
+                            <p:stCondLst>
+                              <p:cond delay="0"/>
+                            </p:stCondLst>
+                            <p:childTnLst>
+                              <p:par>
+                                <p:cTn id="5" presetID="10" presetClass="entr" presetSubtype="0" fill="hold" nodeType="clickEffect">
+                                  <p:stCondLst>
+                                    <p:cond delay="0"/>
+                                  </p:stCondLst>
+                                  <p:childTnLst>
+                                    <p:set>
+                                      <p:cBhvr>
+                                        <p:cTn id="6" dur="1" fill="hold">
+                                          <p:stCondLst>
+                                            <p:cond delay="0"/>
+                                          </p:stCondLst>
+                                        </p:cTn>
+                                        <p:tgtEl>
+                                          <p:spTgt spid="3">
+                                            <p:txEl>
+                                              <p:pRg st="2" end="2"/>
+                                            </p:txEl>
+                                          </p:spTgt>
+                                        </p:tgtEl>
+                                        <p:attrNameLst>
+                                          <p:attrName>style.visibility</p:attrName>
+                                        </p:attrNameLst>
+                                      </p:cBhvr>
+                                      <p:to>
+                                        <p:strVal val="visible"/>
+                                      </p:to>
+                                    </p:set>
+                                    <p:animEffect transition="in" filter="fade">
+                                      <p:cBhvr>
+                                        <p:cTn id="7" dur="500"/>
+                                        <p:tgtEl>
+                                          <p:spTgt spid="3">
+                                            <p:txEl>
+                                              <p:pRg st="2" end="2"/>
+                                            </p:txEl>
+                                          </p:spTgt>
+                                        </p:tgtEl>
+                                      </p:cBhvr>
+                                    </p:animEffect>
+                                  </p:childTnLst>
+                                </p:cTn>
+                              </p:par>
+                              <p:par>
+                                <p:cTn id="8" presetID="10" presetClass="entr" presetSubtype="0" fill="hold" nodeType="withEffect">
+                                  <p:stCondLst>
+                                    <p:cond delay="0"/>
+                                  </p:stCondLst>
+                                  <p:childTnLst>
+                                    <p:set>
+                                      <p:cBhvr>
+                                        <p:cTn id="9" dur="1" fill="hold">
+                                          <p:stCondLst>
+                                            <p:cond delay="0"/>
+                                          </p:stCondLst>
+                                        </p:cTn>
+                                        <p:tgtEl>
+                                          <p:spTgt spid="3">
+                                            <p:txEl>
+                                              <p:pRg st="3" end="3"/>
+                                            </p:txEl>
+                                          </p:spTgt>
+                                        </p:tgtEl>
+                                        <p:attrNameLst>
+                                          <p:attrName>style.visibility</p:attrName>
+                                        </p:attrNameLst>
+                                      </p:cBhvr>
+                                      <p:to>
+                                        <p:strVal val="visible"/>
+                                      </p:to>
+                                    </p:set>
+                                    <p:animEffect transition="in" filter="fade">
+                                      <p:cBhvr>
+                                        <p:cTn id="10" dur="500"/>
+                                        <p:tgtEl>
+                                          <p:spTgt spid="3">
+                                            <p:txEl>
+                                              <p:pRg st="3" end="3"/>
+                                            </p:txEl>
+                                          </p:spTgt>
+                                        </p:tgtEl>
+                                      </p:cBhvr>
+                                    </p:animEffect>
+                                  </p:childTnLst>
+                                </p:cTn>
+                              </p:par>
+                            </p:childTnLst>
+                          </p:cTn>
+                        </p:par>
+                      </p:childTnLst>
+                    </p:cTn>
+                  </p:par>
+                </p:childTnLst>
+              </p:cTn>
+              <p:prevCondLst>
+                <p:cond evt="onPrev" delay="0">
+                  <p:tgtEl>
+                    <p:sldTgt/>
+                  </p:tgtEl>
+                </p:cond>
+              </p:prevCondLst>
+              <p:nextCondLst>
+                <p:cond evt="onNext" delay="0">
+                  <p:tgtEl>
+                    <p:sldTgt/>
+                  </p:tgtEl>
+                </p:cond>
+              </p:nextCondLst>
+            </p:seq>
+          </p:childTnLst>
+        </p:cTn>
+      </p:par>
+    </p:tnLst>
+  </p:timing>
 </p:sld>
 </file>
 
@@ -2894,8 +3630,12 @@
           <a:lstStyle/>
           <a:p>
             <a:r>
+              <a:rPr lang="en-US" dirty="0" err="1" smtClean="0"/>
+              <a:t>ngOnInit</a:t>
+            </a:r>
+            <a:r>
               <a:rPr lang="en-US" dirty="0" smtClean="0"/>
-              <a:t>@Input</a:t>
+              <a:t> Note</a:t>
             </a:r>
             <a:endParaRPr lang="en-US" dirty="0"/>
           </a:p>
@@ -2916,14 +3656,57 @@
           <a:bodyPr/>
           <a:lstStyle/>
           <a:p>
-            <a:endParaRPr lang="en-US"/>
+            <a:r>
+              <a:rPr lang="en-US" dirty="0" smtClean="0"/>
+              <a:t>Put work inside </a:t>
+            </a:r>
+            <a:r>
+              <a:rPr lang="en-US" dirty="0" err="1" smtClean="0"/>
+              <a:t>ngOnInit</a:t>
+            </a:r>
+            <a:r>
+              <a:rPr lang="en-US" dirty="0" smtClean="0"/>
+              <a:t> instead of constructor</a:t>
+            </a:r>
+          </a:p>
+          <a:p>
+            <a:pPr lvl="1"/>
+            <a:r>
+              <a:rPr lang="en-US" dirty="0" smtClean="0"/>
+              <a:t>Easier to test a component</a:t>
+            </a:r>
+            <a:endParaRPr lang="en-US" dirty="0"/>
           </a:p>
         </p:txBody>
       </p:sp>
+      <p:pic>
+        <p:nvPicPr>
+          <p:cNvPr id="4" name="Picture 3"/>
+          <p:cNvPicPr>
+            <a:picLocks noChangeAspect="1"/>
+          </p:cNvPicPr>
+          <p:nvPr/>
+        </p:nvPicPr>
+        <p:blipFill>
+          <a:blip r:embed="rId2"/>
+          <a:stretch>
+            <a:fillRect/>
+          </a:stretch>
+        </p:blipFill>
+        <p:spPr>
+          <a:xfrm>
+            <a:off x="1933575" y="3200400"/>
+            <a:ext cx="5276850" cy="1247775"/>
+          </a:xfrm>
+          <a:prstGeom prst="rect">
+            <a:avLst/>
+          </a:prstGeom>
+        </p:spPr>
+      </p:pic>
     </p:spTree>
     <p:extLst>
       <p:ext uri="{BB962C8B-B14F-4D97-AF65-F5344CB8AC3E}">
-        <p14:creationId xmlns:p14="http://schemas.microsoft.com/office/powerpoint/2010/main" val="1303173118"/>
+        <p14:creationId xmlns:p14="http://schemas.microsoft.com/office/powerpoint/2010/main" val="472059258"/>
       </p:ext>
     </p:extLst>
   </p:cSld>
@@ -2970,7 +3753,7 @@
           <a:p>
             <a:r>
               <a:rPr lang="en-US" dirty="0" smtClean="0"/>
-              <a:t>@Output</a:t>
+              <a:t>@Input</a:t>
             </a:r>
             <a:endParaRPr lang="en-US" dirty="0"/>
           </a:p>
@@ -2991,14 +3774,66 @@
           <a:bodyPr/>
           <a:lstStyle/>
           <a:p>
-            <a:endParaRPr lang="en-US"/>
+            <a:r>
+              <a:rPr lang="en-US" dirty="0" smtClean="0"/>
+              <a:t>Declares a data-bound input property</a:t>
+            </a:r>
+            <a:endParaRPr lang="en-US" dirty="0"/>
           </a:p>
         </p:txBody>
       </p:sp>
+      <p:pic>
+        <p:nvPicPr>
+          <p:cNvPr id="4" name="Picture 3"/>
+          <p:cNvPicPr>
+            <a:picLocks noChangeAspect="1"/>
+          </p:cNvPicPr>
+          <p:nvPr/>
+        </p:nvPicPr>
+        <p:blipFill>
+          <a:blip r:embed="rId2"/>
+          <a:stretch>
+            <a:fillRect/>
+          </a:stretch>
+        </p:blipFill>
+        <p:spPr>
+          <a:xfrm>
+            <a:off x="690562" y="3124200"/>
+            <a:ext cx="3419475" cy="1238250"/>
+          </a:xfrm>
+          <a:prstGeom prst="rect">
+            <a:avLst/>
+          </a:prstGeom>
+        </p:spPr>
+      </p:pic>
+      <p:pic>
+        <p:nvPicPr>
+          <p:cNvPr id="5" name="Picture 4"/>
+          <p:cNvPicPr>
+            <a:picLocks noChangeAspect="1"/>
+          </p:cNvPicPr>
+          <p:nvPr/>
+        </p:nvPicPr>
+        <p:blipFill>
+          <a:blip r:embed="rId3"/>
+          <a:stretch>
+            <a:fillRect/>
+          </a:stretch>
+        </p:blipFill>
+        <p:spPr>
+          <a:xfrm>
+            <a:off x="2400300" y="4857750"/>
+            <a:ext cx="6286500" cy="742950"/>
+          </a:xfrm>
+          <a:prstGeom prst="rect">
+            <a:avLst/>
+          </a:prstGeom>
+        </p:spPr>
+      </p:pic>
     </p:spTree>
     <p:extLst>
       <p:ext uri="{BB962C8B-B14F-4D97-AF65-F5344CB8AC3E}">
-        <p14:creationId xmlns:p14="http://schemas.microsoft.com/office/powerpoint/2010/main" val="294940001"/>
+        <p14:creationId xmlns:p14="http://schemas.microsoft.com/office/powerpoint/2010/main" val="1303173118"/>
       </p:ext>
     </p:extLst>
   </p:cSld>
@@ -3045,7 +3880,7 @@
           <a:p>
             <a:r>
               <a:rPr lang="en-US" dirty="0" smtClean="0"/>
-              <a:t>Styles, Services, Directives</a:t>
+              <a:t>@Output</a:t>
             </a:r>
             <a:endParaRPr lang="en-US" dirty="0"/>
           </a:p>
@@ -3066,14 +3901,66 @@
           <a:bodyPr/>
           <a:lstStyle/>
           <a:p>
-            <a:endParaRPr lang="en-US"/>
+            <a:r>
+              <a:rPr lang="en-US" dirty="0" smtClean="0"/>
+              <a:t>An event-bound output property</a:t>
+            </a:r>
+            <a:endParaRPr lang="en-US" dirty="0"/>
           </a:p>
         </p:txBody>
       </p:sp>
+      <p:pic>
+        <p:nvPicPr>
+          <p:cNvPr id="5" name="Picture 4"/>
+          <p:cNvPicPr>
+            <a:picLocks noChangeAspect="1"/>
+          </p:cNvPicPr>
+          <p:nvPr/>
+        </p:nvPicPr>
+        <p:blipFill>
+          <a:blip r:embed="rId2"/>
+          <a:stretch>
+            <a:fillRect/>
+          </a:stretch>
+        </p:blipFill>
+        <p:spPr>
+          <a:xfrm>
+            <a:off x="457200" y="2490787"/>
+            <a:ext cx="7134225" cy="2409825"/>
+          </a:xfrm>
+          <a:prstGeom prst="rect">
+            <a:avLst/>
+          </a:prstGeom>
+        </p:spPr>
+      </p:pic>
+      <p:pic>
+        <p:nvPicPr>
+          <p:cNvPr id="6" name="Picture 5"/>
+          <p:cNvPicPr>
+            <a:picLocks noChangeAspect="1"/>
+          </p:cNvPicPr>
+          <p:nvPr/>
+        </p:nvPicPr>
+        <p:blipFill>
+          <a:blip r:embed="rId3"/>
+          <a:stretch>
+            <a:fillRect/>
+          </a:stretch>
+        </p:blipFill>
+        <p:spPr>
+          <a:xfrm>
+            <a:off x="2438400" y="5084942"/>
+            <a:ext cx="6372225" cy="1266825"/>
+          </a:xfrm>
+          <a:prstGeom prst="rect">
+            <a:avLst/>
+          </a:prstGeom>
+        </p:spPr>
+      </p:pic>
     </p:spTree>
     <p:extLst>
       <p:ext uri="{BB962C8B-B14F-4D97-AF65-F5344CB8AC3E}">
-        <p14:creationId xmlns:p14="http://schemas.microsoft.com/office/powerpoint/2010/main" val="3426080604"/>
+        <p14:creationId xmlns:p14="http://schemas.microsoft.com/office/powerpoint/2010/main" val="294940001"/>
       </p:ext>
     </p:extLst>
   </p:cSld>
@@ -3083,6 +3970,142 @@
   <p:transition>
     <p:fade/>
   </p:transition>
+  <p:timing>
+    <p:tnLst>
+      <p:par>
+        <p:cTn id="1" dur="indefinite" restart="never" nodeType="tmRoot">
+          <p:childTnLst>
+            <p:seq concurrent="1" nextAc="seek">
+              <p:cTn id="2" dur="indefinite" nodeType="mainSeq">
+                <p:childTnLst>
+                  <p:par>
+                    <p:cTn id="3" fill="hold">
+                      <p:stCondLst>
+                        <p:cond delay="indefinite"/>
+                      </p:stCondLst>
+                      <p:childTnLst>
+                        <p:par>
+                          <p:cTn id="4" fill="hold">
+                            <p:stCondLst>
+                              <p:cond delay="0"/>
+                            </p:stCondLst>
+                            <p:childTnLst>
+                              <p:par>
+                                <p:cTn id="5" presetID="10" presetClass="entr" presetSubtype="0" fill="hold" nodeType="clickEffect">
+                                  <p:stCondLst>
+                                    <p:cond delay="0"/>
+                                  </p:stCondLst>
+                                  <p:childTnLst>
+                                    <p:set>
+                                      <p:cBhvr>
+                                        <p:cTn id="6" dur="1" fill="hold">
+                                          <p:stCondLst>
+                                            <p:cond delay="0"/>
+                                          </p:stCondLst>
+                                        </p:cTn>
+                                        <p:tgtEl>
+                                          <p:spTgt spid="5"/>
+                                        </p:tgtEl>
+                                        <p:attrNameLst>
+                                          <p:attrName>style.visibility</p:attrName>
+                                        </p:attrNameLst>
+                                      </p:cBhvr>
+                                      <p:to>
+                                        <p:strVal val="visible"/>
+                                      </p:to>
+                                    </p:set>
+                                    <p:animEffect transition="in" filter="fade">
+                                      <p:cBhvr>
+                                        <p:cTn id="7" dur="500"/>
+                                        <p:tgtEl>
+                                          <p:spTgt spid="5"/>
+                                        </p:tgtEl>
+                                      </p:cBhvr>
+                                    </p:animEffect>
+                                  </p:childTnLst>
+                                </p:cTn>
+                              </p:par>
+                            </p:childTnLst>
+                          </p:cTn>
+                        </p:par>
+                      </p:childTnLst>
+                    </p:cTn>
+                  </p:par>
+                  <p:par>
+                    <p:cTn id="8" fill="hold">
+                      <p:stCondLst>
+                        <p:cond delay="indefinite"/>
+                      </p:stCondLst>
+                      <p:childTnLst>
+                        <p:par>
+                          <p:cTn id="9" fill="hold">
+                            <p:stCondLst>
+                              <p:cond delay="0"/>
+                            </p:stCondLst>
+                            <p:childTnLst>
+                              <p:par>
+                                <p:cTn id="10" presetID="10" presetClass="entr" presetSubtype="0" fill="hold" nodeType="clickEffect">
+                                  <p:stCondLst>
+                                    <p:cond delay="0"/>
+                                  </p:stCondLst>
+                                  <p:childTnLst>
+                                    <p:set>
+                                      <p:cBhvr>
+                                        <p:cTn id="11" dur="1" fill="hold">
+                                          <p:stCondLst>
+                                            <p:cond delay="0"/>
+                                          </p:stCondLst>
+                                        </p:cTn>
+                                        <p:tgtEl>
+                                          <p:spTgt spid="6"/>
+                                        </p:tgtEl>
+                                        <p:attrNameLst>
+                                          <p:attrName>style.visibility</p:attrName>
+                                        </p:attrNameLst>
+                                      </p:cBhvr>
+                                      <p:to>
+                                        <p:strVal val="visible"/>
+                                      </p:to>
+                                    </p:set>
+                                    <p:animEffect transition="in" filter="fade">
+                                      <p:cBhvr>
+                                        <p:cTn id="12" dur="500"/>
+                                        <p:tgtEl>
+                                          <p:spTgt spid="6"/>
+                                        </p:tgtEl>
+                                      </p:cBhvr>
+                                    </p:animEffect>
+                                  </p:childTnLst>
+                                </p:cTn>
+                              </p:par>
+                            </p:childTnLst>
+                          </p:cTn>
+                        </p:par>
+                      </p:childTnLst>
+                    </p:cTn>
+                  </p:par>
+                </p:childTnLst>
+              </p:cTn>
+              <p:prevCondLst>
+                <p:cond evt="onPrev" delay="0">
+                  <p:tgtEl>
+                    <p:sldTgt/>
+                  </p:tgtEl>
+                </p:cond>
+              </p:prevCondLst>
+              <p:nextCondLst>
+                <p:cond evt="onNext" delay="0">
+                  <p:tgtEl>
+                    <p:sldTgt/>
+                  </p:tgtEl>
+                </p:cond>
+              </p:nextCondLst>
+            </p:seq>
+          </p:childTnLst>
+        </p:cTn>
+      </p:par>
+    </p:tnLst>
+  </p:timing>
 </p:sld>
 </file>
 
@@ -3141,10 +4164,38 @@
           <a:bodyPr/>
           <a:lstStyle/>
           <a:p>
-            <a:endParaRPr lang="en-US"/>
+            <a:r>
+              <a:rPr lang="en-US" dirty="0" smtClean="0"/>
+              <a:t>Attributes to add behavior to a DOM element</a:t>
+            </a:r>
+            <a:endParaRPr lang="en-US" dirty="0"/>
           </a:p>
         </p:txBody>
       </p:sp>
+      <p:pic>
+        <p:nvPicPr>
+          <p:cNvPr id="4" name="Picture 3"/>
+          <p:cNvPicPr>
+            <a:picLocks noChangeAspect="1"/>
+          </p:cNvPicPr>
+          <p:nvPr/>
+        </p:nvPicPr>
+        <p:blipFill>
+          <a:blip r:embed="rId2"/>
+          <a:stretch>
+            <a:fillRect/>
+          </a:stretch>
+        </p:blipFill>
+        <p:spPr>
+          <a:xfrm>
+            <a:off x="1371600" y="2037161"/>
+            <a:ext cx="6272212" cy="4323220"/>
+          </a:xfrm>
+          <a:prstGeom prst="rect">
+            <a:avLst/>
+          </a:prstGeom>
+        </p:spPr>
+      </p:pic>
     </p:spTree>
     <p:extLst>
       <p:ext uri="{BB962C8B-B14F-4D97-AF65-F5344CB8AC3E}">
@@ -3195,11 +4246,7 @@
           <a:p>
             <a:r>
               <a:rPr lang="en-US" dirty="0" smtClean="0"/>
-              <a:t>Directives and </a:t>
-            </a:r>
-            <a:r>
-              <a:rPr lang="en-US" dirty="0" err="1" smtClean="0"/>
-              <a:t>ViewContainers</a:t>
+              <a:t>Directives with Content</a:t>
             </a:r>
             <a:endParaRPr lang="en-US" dirty="0"/>
           </a:p>
@@ -3220,14 +4267,50 @@
           <a:bodyPr/>
           <a:lstStyle/>
           <a:p>
-            <a:endParaRPr lang="en-US"/>
+            <a:r>
+              <a:rPr lang="en-US" dirty="0" smtClean="0"/>
+              <a:t>Use ng-content to </a:t>
+            </a:r>
+            <a:r>
+              <a:rPr lang="en-US" dirty="0" err="1" smtClean="0"/>
+              <a:t>transclude</a:t>
+            </a:r>
+            <a:r>
+              <a:rPr lang="en-US" dirty="0" smtClean="0"/>
+              <a:t> content from client template</a:t>
+            </a:r>
+            <a:endParaRPr lang="en-US" dirty="0"/>
           </a:p>
         </p:txBody>
       </p:sp>
+      <p:pic>
+        <p:nvPicPr>
+          <p:cNvPr id="4" name="Picture 3"/>
+          <p:cNvPicPr>
+            <a:picLocks noChangeAspect="1"/>
+          </p:cNvPicPr>
+          <p:nvPr/>
+        </p:nvPicPr>
+        <p:blipFill>
+          <a:blip r:embed="rId2"/>
+          <a:stretch>
+            <a:fillRect/>
+          </a:stretch>
+        </p:blipFill>
+        <p:spPr>
+          <a:xfrm>
+            <a:off x="1752600" y="2438400"/>
+            <a:ext cx="5791200" cy="3190875"/>
+          </a:xfrm>
+          <a:prstGeom prst="rect">
+            <a:avLst/>
+          </a:prstGeom>
+        </p:spPr>
+      </p:pic>
     </p:spTree>
     <p:extLst>
       <p:ext uri="{BB962C8B-B14F-4D97-AF65-F5344CB8AC3E}">
-        <p14:creationId xmlns:p14="http://schemas.microsoft.com/office/powerpoint/2010/main" val="64057761"/>
+        <p14:creationId xmlns:p14="http://schemas.microsoft.com/office/powerpoint/2010/main" val="2369615413"/>
       </p:ext>
     </p:extLst>
   </p:cSld>

--- a/angular2/slides/07_directives.pptx
+++ b/angular2/slides/07_directives.pptx
@@ -13,11 +13,11 @@
   <p:sldIdLst>
     <p:sldId id="327" r:id="rId2"/>
     <p:sldId id="328" r:id="rId3"/>
-    <p:sldId id="330" r:id="rId4"/>
-    <p:sldId id="335" r:id="rId5"/>
-    <p:sldId id="338" r:id="rId6"/>
-    <p:sldId id="333" r:id="rId7"/>
-    <p:sldId id="334" r:id="rId8"/>
+    <p:sldId id="340" r:id="rId4"/>
+    <p:sldId id="341" r:id="rId5"/>
+    <p:sldId id="330" r:id="rId6"/>
+    <p:sldId id="335" r:id="rId7"/>
+    <p:sldId id="338" r:id="rId8"/>
     <p:sldId id="331" r:id="rId9"/>
     <p:sldId id="339" r:id="rId10"/>
     <p:sldId id="332" r:id="rId11"/>
@@ -274,7 +274,7 @@
               <a:pPr>
                 <a:defRPr/>
               </a:pPr>
-              <a:t>12/30/2015</a:t>
+              <a:t>7/30/2016</a:t>
             </a:fld>
             <a:endParaRPr lang="en-US"/>
           </a:p>
@@ -548,35 +548,35 @@
           <a:p>
             <a:pPr lvl="0"/>
             <a:r>
-              <a:rPr lang="en-US" noProof="0" smtClean="0"/>
+              <a:rPr lang="en-US" noProof="0"/>
               <a:t>Click to edit Master text styles</a:t>
             </a:r>
           </a:p>
           <a:p>
             <a:pPr lvl="1"/>
             <a:r>
-              <a:rPr lang="en-US" noProof="0" smtClean="0"/>
+              <a:rPr lang="en-US" noProof="0"/>
               <a:t>Second level</a:t>
             </a:r>
           </a:p>
           <a:p>
             <a:pPr lvl="2"/>
             <a:r>
-              <a:rPr lang="en-US" noProof="0" smtClean="0"/>
+              <a:rPr lang="en-US" noProof="0"/>
               <a:t>Third level</a:t>
             </a:r>
           </a:p>
           <a:p>
             <a:pPr lvl="3"/>
             <a:r>
-              <a:rPr lang="en-US" noProof="0" smtClean="0"/>
+              <a:rPr lang="en-US" noProof="0"/>
               <a:t>Fourth level</a:t>
             </a:r>
           </a:p>
           <a:p>
             <a:pPr lvl="4"/>
             <a:r>
-              <a:rPr lang="en-US" noProof="0" smtClean="0"/>
+              <a:rPr lang="en-US" noProof="0"/>
               <a:t>Fifth level</a:t>
             </a:r>
           </a:p>
@@ -857,7 +857,7 @@
               <a:pPr/>
               <a:t>1</a:t>
             </a:fld>
-            <a:endParaRPr lang="en-US" smtClean="0"/>
+            <a:endParaRPr lang="en-US"/>
           </a:p>
         </p:txBody>
       </p:sp>
@@ -898,7 +898,7 @@
           <a:lstStyle/>
           <a:p>
             <a:pPr eaLnBrk="1" hangingPunct="1"/>
-            <a:endParaRPr lang="en-US" smtClean="0"/>
+            <a:endParaRPr lang="en-US"/>
           </a:p>
         </p:txBody>
       </p:sp>
@@ -961,7 +961,7 @@
           </a:lstStyle>
           <a:p>
             <a:r>
-              <a:rPr lang="en-US" smtClean="0"/>
+              <a:rPr lang="en-US"/>
               <a:t>Click to edit Master title style</a:t>
             </a:r>
             <a:endParaRPr lang="en-US" dirty="0"/>
@@ -997,7 +997,7 @@
           </a:lstStyle>
           <a:p>
             <a:r>
-              <a:rPr lang="en-US" smtClean="0"/>
+              <a:rPr lang="en-US"/>
               <a:t>Click to edit Master subtitle style</a:t>
             </a:r>
             <a:endParaRPr lang="en-US" dirty="0"/>
@@ -1085,7 +1085,7 @@
           </a:lstStyle>
           <a:p>
             <a:r>
-              <a:rPr lang="en-US" smtClean="0"/>
+              <a:rPr lang="en-US"/>
               <a:t>Click to edit Master title style</a:t>
             </a:r>
             <a:endParaRPr lang="en-US" dirty="0"/>
@@ -1150,35 +1150,35 @@
           <a:p>
             <a:pPr lvl="0"/>
             <a:r>
-              <a:rPr lang="en-US" smtClean="0"/>
+              <a:rPr lang="en-US"/>
               <a:t>Click to edit Master text styles</a:t>
             </a:r>
           </a:p>
           <a:p>
             <a:pPr lvl="1"/>
             <a:r>
-              <a:rPr lang="en-US" smtClean="0"/>
+              <a:rPr lang="en-US"/>
               <a:t>Second level</a:t>
             </a:r>
           </a:p>
           <a:p>
             <a:pPr lvl="2"/>
             <a:r>
-              <a:rPr lang="en-US" smtClean="0"/>
+              <a:rPr lang="en-US"/>
               <a:t>Third level</a:t>
             </a:r>
           </a:p>
           <a:p>
             <a:pPr lvl="3"/>
             <a:r>
-              <a:rPr lang="en-US" smtClean="0"/>
+              <a:rPr lang="en-US"/>
               <a:t>Fourth level</a:t>
             </a:r>
           </a:p>
           <a:p>
             <a:pPr lvl="4"/>
             <a:r>
-              <a:rPr lang="en-US" smtClean="0"/>
+              <a:rPr lang="en-US"/>
               <a:t>Fifth level</a:t>
             </a:r>
             <a:endParaRPr lang="en-US" dirty="0"/>
@@ -1242,10 +1242,9 @@
           </a:lstStyle>
           <a:p>
             <a:r>
-              <a:rPr lang="en-US" dirty="0" smtClean="0"/>
+              <a:rPr lang="en-US" dirty="0"/>
               <a:t>References</a:t>
             </a:r>
-            <a:endParaRPr lang="en-US" dirty="0"/>
           </a:p>
         </p:txBody>
       </p:sp>
@@ -1307,35 +1306,35 @@
           <a:p>
             <a:pPr lvl="0"/>
             <a:r>
-              <a:rPr lang="en-US" smtClean="0"/>
+              <a:rPr lang="en-US"/>
               <a:t>Click to edit Master text styles</a:t>
             </a:r>
           </a:p>
           <a:p>
             <a:pPr lvl="1"/>
             <a:r>
-              <a:rPr lang="en-US" smtClean="0"/>
+              <a:rPr lang="en-US"/>
               <a:t>Second level</a:t>
             </a:r>
           </a:p>
           <a:p>
             <a:pPr lvl="2"/>
             <a:r>
-              <a:rPr lang="en-US" smtClean="0"/>
+              <a:rPr lang="en-US"/>
               <a:t>Third level</a:t>
             </a:r>
           </a:p>
           <a:p>
             <a:pPr lvl="3"/>
             <a:r>
-              <a:rPr lang="en-US" smtClean="0"/>
+              <a:rPr lang="en-US"/>
               <a:t>Fourth level</a:t>
             </a:r>
           </a:p>
           <a:p>
             <a:pPr lvl="4"/>
             <a:r>
-              <a:rPr lang="en-US" smtClean="0"/>
+              <a:rPr lang="en-US"/>
               <a:t>Fifth level</a:t>
             </a:r>
             <a:endParaRPr lang="en-US" dirty="0"/>
@@ -1391,10 +1390,9 @@
           <a:lstStyle/>
           <a:p>
             <a:r>
-              <a:rPr lang="en-US" smtClean="0"/>
+              <a:rPr lang="en-US"/>
               <a:t>Click to edit Master title style</a:t>
             </a:r>
-            <a:endParaRPr lang="en-US"/>
           </a:p>
         </p:txBody>
       </p:sp>
@@ -1435,7 +1433,7 @@
           <a:p>
             <a:pPr lvl="0"/>
             <a:r>
-              <a:rPr lang="en-US" smtClean="0"/>
+              <a:rPr lang="en-US"/>
               <a:t>Click to edit Master text styles</a:t>
             </a:r>
           </a:p>
@@ -1490,10 +1488,9 @@
           <a:lstStyle/>
           <a:p>
             <a:r>
-              <a:rPr lang="en-US" smtClean="0"/>
+              <a:rPr lang="en-US"/>
               <a:t>Click to edit Master title style</a:t>
             </a:r>
-            <a:endParaRPr lang="en-US"/>
           </a:p>
         </p:txBody>
       </p:sp>
@@ -1546,10 +1543,9 @@
           <a:lstStyle/>
           <a:p>
             <a:r>
-              <a:rPr lang="en-US" smtClean="0"/>
+              <a:rPr lang="en-US"/>
               <a:t>Click to edit Master title style</a:t>
             </a:r>
-            <a:endParaRPr lang="en-US"/>
           </a:p>
         </p:txBody>
       </p:sp>
@@ -1590,7 +1586,7 @@
           <a:p>
             <a:pPr lvl="0"/>
             <a:r>
-              <a:rPr lang="en-US" smtClean="0"/>
+              <a:rPr lang="en-US"/>
               <a:t>Click to edit Master text styles</a:t>
             </a:r>
           </a:p>
@@ -1640,10 +1636,9 @@
           <a:lstStyle/>
           <a:p>
             <a:r>
-              <a:rPr lang="en-US" smtClean="0"/>
+              <a:rPr lang="en-US"/>
               <a:t>Click to edit Master title style</a:t>
             </a:r>
-            <a:endParaRPr lang="en-US"/>
           </a:p>
         </p:txBody>
       </p:sp>
@@ -1719,35 +1714,35 @@
           <a:p>
             <a:pPr lvl="0"/>
             <a:r>
-              <a:rPr lang="en-US" smtClean="0"/>
+              <a:rPr lang="en-US"/>
               <a:t>Click to edit Master text styles</a:t>
             </a:r>
           </a:p>
           <a:p>
             <a:pPr lvl="1"/>
             <a:r>
-              <a:rPr lang="en-US" smtClean="0"/>
+              <a:rPr lang="en-US"/>
               <a:t>Second level</a:t>
             </a:r>
           </a:p>
           <a:p>
             <a:pPr lvl="2"/>
             <a:r>
-              <a:rPr lang="en-US" smtClean="0"/>
+              <a:rPr lang="en-US"/>
               <a:t>Third level</a:t>
             </a:r>
           </a:p>
           <a:p>
             <a:pPr lvl="3"/>
             <a:r>
-              <a:rPr lang="en-US" smtClean="0"/>
+              <a:rPr lang="en-US"/>
               <a:t>Fourth level</a:t>
             </a:r>
           </a:p>
           <a:p>
             <a:pPr lvl="4"/>
             <a:r>
-              <a:rPr lang="en-US" smtClean="0"/>
+              <a:rPr lang="en-US"/>
               <a:t>Fifth level</a:t>
             </a:r>
           </a:p>
@@ -1789,7 +1784,7 @@
           <a:p>
             <a:pPr lvl="0"/>
             <a:r>
-              <a:rPr lang="en-US" smtClean="0"/>
+              <a:rPr lang="en-US"/>
               <a:t>Click to edit Master title style</a:t>
             </a:r>
           </a:p>
@@ -2400,21 +2395,21 @@
           <a:p>
             <a:pPr defTabSz="914400" eaLnBrk="1" hangingPunct="1"/>
             <a:r>
-              <a:rPr lang="en-US" sz="3200" dirty="0" smtClean="0"/>
+              <a:rPr lang="en-US" sz="3200" dirty="0"/>
               <a:t>Components and Directives</a:t>
             </a:r>
           </a:p>
           <a:p>
             <a:pPr defTabSz="914400" eaLnBrk="1" hangingPunct="1"/>
             <a:r>
-              <a:rPr lang="en-US" dirty="0" smtClean="0"/>
+              <a:rPr lang="en-US" dirty="0"/>
               <a:t>&lt;custom-html&gt;</a:t>
             </a:r>
           </a:p>
           <a:p>
             <a:pPr defTabSz="914400" eaLnBrk="1" hangingPunct="1"/>
             <a:r>
-              <a:rPr lang="en-US" dirty="0" smtClean="0"/>
+              <a:rPr lang="en-US" dirty="0"/>
               <a:t>&lt;/custom-html&gt;</a:t>
             </a:r>
           </a:p>
@@ -2505,11 +2500,11 @@
           <a:lstStyle/>
           <a:p>
             <a:r>
-              <a:rPr lang="en-US" dirty="0" smtClean="0"/>
+              <a:rPr lang="en-US" dirty="0"/>
               <a:t>Directives and </a:t>
             </a:r>
             <a:r>
-              <a:rPr lang="en-US" dirty="0" err="1" smtClean="0"/>
+              <a:rPr lang="en-US" dirty="0" err="1"/>
               <a:t>ViewContainers</a:t>
             </a:r>
             <a:endParaRPr lang="en-US" dirty="0"/>
@@ -2532,10 +2527,9 @@
           <a:lstStyle/>
           <a:p>
             <a:r>
-              <a:rPr lang="en-US" dirty="0" smtClean="0"/>
+              <a:rPr lang="en-US" dirty="0"/>
               <a:t>Manage templates using a view container</a:t>
             </a:r>
-            <a:endParaRPr lang="en-US" dirty="0"/>
           </a:p>
         </p:txBody>
       </p:sp>
@@ -2612,10 +2606,9 @@
           <a:lstStyle/>
           <a:p>
             <a:r>
-              <a:rPr lang="en-US" dirty="0" smtClean="0"/>
+              <a:rPr lang="en-US" dirty="0"/>
               <a:t>Summary</a:t>
             </a:r>
-            <a:endParaRPr lang="en-US" dirty="0"/>
           </a:p>
         </p:txBody>
       </p:sp>
@@ -2635,24 +2628,23 @@
           <a:lstStyle/>
           <a:p>
             <a:r>
-              <a:rPr lang="en-US" dirty="0" smtClean="0"/>
+              <a:rPr lang="en-US" dirty="0"/>
               <a:t>Angular 2 encourages you to build components</a:t>
             </a:r>
           </a:p>
           <a:p>
             <a:pPr lvl="1"/>
             <a:r>
-              <a:rPr lang="en-US" dirty="0" smtClean="0"/>
+              <a:rPr lang="en-US" dirty="0"/>
               <a:t>Self describing UI building blocks</a:t>
             </a:r>
           </a:p>
           <a:p>
             <a:pPr lvl="1"/>
             <a:r>
-              <a:rPr lang="en-US" smtClean="0"/>
+              <a:rPr lang="en-US"/>
               <a:t>Extend HTML</a:t>
             </a:r>
-            <a:endParaRPr lang="en-US"/>
           </a:p>
         </p:txBody>
       </p:sp>
@@ -2812,10 +2804,9 @@
           <a:lstStyle/>
           <a:p>
             <a:r>
-              <a:rPr lang="en-US" dirty="0" smtClean="0"/>
+              <a:rPr lang="en-US" dirty="0"/>
               <a:t>Components</a:t>
             </a:r>
-            <a:endParaRPr lang="en-US" dirty="0"/>
           </a:p>
         </p:txBody>
       </p:sp>
@@ -2835,24 +2826,148 @@
           <a:lstStyle/>
           <a:p>
             <a:r>
-              <a:rPr lang="en-US" dirty="0" smtClean="0"/>
+              <a:rPr lang="en-US" dirty="0"/>
               <a:t>Reusable, </a:t>
             </a:r>
             <a:r>
-              <a:rPr lang="en-US" dirty="0" err="1" smtClean="0"/>
+              <a:rPr lang="en-US" dirty="0" err="1"/>
               <a:t>composable</a:t>
             </a:r>
             <a:r>
-              <a:rPr lang="en-US" dirty="0" smtClean="0"/>
+              <a:rPr lang="en-US" dirty="0"/>
               <a:t> UI building blocks</a:t>
             </a:r>
           </a:p>
           <a:p>
             <a:r>
-              <a:rPr lang="en-US" dirty="0" smtClean="0"/>
+              <a:rPr lang="en-US" dirty="0"/>
               <a:t>A template is required</a:t>
             </a:r>
-            <a:endParaRPr lang="en-US" dirty="0"/>
+          </a:p>
+        </p:txBody>
+      </p:sp>
+      <p:pic>
+        <p:nvPicPr>
+          <p:cNvPr id="7" name="Picture 6"/>
+          <p:cNvPicPr>
+            <a:picLocks noChangeAspect="1"/>
+          </p:cNvPicPr>
+          <p:nvPr/>
+        </p:nvPicPr>
+        <p:blipFill>
+          <a:blip r:embed="rId2"/>
+          <a:stretch>
+            <a:fillRect/>
+          </a:stretch>
+        </p:blipFill>
+        <p:spPr>
+          <a:xfrm>
+            <a:off x="700088" y="2895600"/>
+            <a:ext cx="7986712" cy="1449176"/>
+          </a:xfrm>
+          <a:prstGeom prst="rect">
+            <a:avLst/>
+          </a:prstGeom>
+        </p:spPr>
+      </p:pic>
+      <p:pic>
+        <p:nvPicPr>
+          <p:cNvPr id="8" name="Picture 7"/>
+          <p:cNvPicPr>
+            <a:picLocks noChangeAspect="1"/>
+          </p:cNvPicPr>
+          <p:nvPr/>
+        </p:nvPicPr>
+        <p:blipFill>
+          <a:blip r:embed="rId3"/>
+          <a:stretch>
+            <a:fillRect/>
+          </a:stretch>
+        </p:blipFill>
+        <p:spPr>
+          <a:xfrm>
+            <a:off x="3124200" y="4495800"/>
+            <a:ext cx="5848350" cy="2120621"/>
+          </a:xfrm>
+          <a:prstGeom prst="rect">
+            <a:avLst/>
+          </a:prstGeom>
+        </p:spPr>
+      </p:pic>
+    </p:spTree>
+    <p:extLst>
+      <p:ext uri="{BB962C8B-B14F-4D97-AF65-F5344CB8AC3E}">
+        <p14:creationId xmlns:p14="http://schemas.microsoft.com/office/powerpoint/2010/main" val="1077324932"/>
+      </p:ext>
+    </p:extLst>
+  </p:cSld>
+  <p:clrMapOvr>
+    <a:masterClrMapping/>
+  </p:clrMapOvr>
+  <p:transition>
+    <p:fade/>
+  </p:transition>
+</p:sld>
+</file>
+
+<file path=ppt/slides/slide3.xml><?xml version="1.0" encoding="utf-8"?>
+<p:sld xmlns:a="http://schemas.openxmlformats.org/drawingml/2006/main" xmlns:r="http://schemas.openxmlformats.org/officeDocument/2006/relationships" xmlns:p="http://schemas.openxmlformats.org/presentationml/2006/main">
+  <p:cSld>
+    <p:spTree>
+      <p:nvGrpSpPr>
+        <p:cNvPr id="1" name=""/>
+        <p:cNvGrpSpPr/>
+        <p:nvPr/>
+      </p:nvGrpSpPr>
+      <p:grpSpPr>
+        <a:xfrm>
+          <a:off x="0" y="0"/>
+          <a:ext cx="0" cy="0"/>
+          <a:chOff x="0" y="0"/>
+          <a:chExt cx="0" cy="0"/>
+        </a:xfrm>
+      </p:grpSpPr>
+      <p:sp>
+        <p:nvSpPr>
+          <p:cNvPr id="2" name="Title 1"/>
+          <p:cNvSpPr>
+            <a:spLocks noGrp="1"/>
+          </p:cNvSpPr>
+          <p:nvPr>
+            <p:ph type="title"/>
+          </p:nvPr>
+        </p:nvSpPr>
+        <p:spPr/>
+        <p:txBody>
+          <a:bodyPr/>
+          <a:lstStyle/>
+          <a:p>
+            <a:r>
+              <a:rPr lang="en-US" dirty="0"/>
+              <a:t>@Input</a:t>
+            </a:r>
+          </a:p>
+        </p:txBody>
+      </p:sp>
+      <p:sp>
+        <p:nvSpPr>
+          <p:cNvPr id="3" name="Text Placeholder 2"/>
+          <p:cNvSpPr>
+            <a:spLocks noGrp="1"/>
+          </p:cNvSpPr>
+          <p:nvPr>
+            <p:ph type="body" idx="1"/>
+          </p:nvPr>
+        </p:nvSpPr>
+        <p:spPr/>
+        <p:txBody>
+          <a:bodyPr/>
+          <a:lstStyle/>
+          <a:p>
+            <a:r>
+              <a:rPr lang="en-US" dirty="0"/>
+              <a:t>Declares a data-bound input property</a:t>
+            </a:r>
           </a:p>
         </p:txBody>
       </p:sp>
@@ -2872,8 +2987,8 @@
         </p:blipFill>
         <p:spPr>
           <a:xfrm>
-            <a:off x="533400" y="2665012"/>
-            <a:ext cx="4962525" cy="3276600"/>
+            <a:off x="690562" y="3124200"/>
+            <a:ext cx="3419475" cy="1238250"/>
           </a:xfrm>
           <a:prstGeom prst="rect">
             <a:avLst/>
@@ -2896,8 +3011,109 @@
         </p:blipFill>
         <p:spPr>
           <a:xfrm>
-            <a:off x="4191000" y="3352800"/>
-            <a:ext cx="4381500" cy="685800"/>
+            <a:off x="2400300" y="4857750"/>
+            <a:ext cx="6286500" cy="742950"/>
+          </a:xfrm>
+          <a:prstGeom prst="rect">
+            <a:avLst/>
+          </a:prstGeom>
+        </p:spPr>
+      </p:pic>
+    </p:spTree>
+    <p:extLst>
+      <p:ext uri="{BB962C8B-B14F-4D97-AF65-F5344CB8AC3E}">
+        <p14:creationId xmlns:p14="http://schemas.microsoft.com/office/powerpoint/2010/main" val="1652342047"/>
+      </p:ext>
+    </p:extLst>
+  </p:cSld>
+  <p:clrMapOvr>
+    <a:masterClrMapping/>
+  </p:clrMapOvr>
+  <p:transition>
+    <p:fade/>
+  </p:transition>
+</p:sld>
+</file>
+
+<file path=ppt/slides/slide4.xml><?xml version="1.0" encoding="utf-8"?>
+<p:sld xmlns:a="http://schemas.openxmlformats.org/drawingml/2006/main" xmlns:r="http://schemas.openxmlformats.org/officeDocument/2006/relationships" xmlns:p="http://schemas.openxmlformats.org/presentationml/2006/main">
+  <p:cSld>
+    <p:spTree>
+      <p:nvGrpSpPr>
+        <p:cNvPr id="1" name=""/>
+        <p:cNvGrpSpPr/>
+        <p:nvPr/>
+      </p:nvGrpSpPr>
+      <p:grpSpPr>
+        <a:xfrm>
+          <a:off x="0" y="0"/>
+          <a:ext cx="0" cy="0"/>
+          <a:chOff x="0" y="0"/>
+          <a:chExt cx="0" cy="0"/>
+        </a:xfrm>
+      </p:grpSpPr>
+      <p:sp>
+        <p:nvSpPr>
+          <p:cNvPr id="2" name="Title 1"/>
+          <p:cNvSpPr>
+            <a:spLocks noGrp="1"/>
+          </p:cNvSpPr>
+          <p:nvPr>
+            <p:ph type="title"/>
+          </p:nvPr>
+        </p:nvSpPr>
+        <p:spPr/>
+        <p:txBody>
+          <a:bodyPr/>
+          <a:lstStyle/>
+          <a:p>
+            <a:r>
+              <a:rPr lang="en-US" dirty="0"/>
+              <a:t>@Output</a:t>
+            </a:r>
+          </a:p>
+        </p:txBody>
+      </p:sp>
+      <p:sp>
+        <p:nvSpPr>
+          <p:cNvPr id="3" name="Text Placeholder 2"/>
+          <p:cNvSpPr>
+            <a:spLocks noGrp="1"/>
+          </p:cNvSpPr>
+          <p:nvPr>
+            <p:ph type="body" idx="1"/>
+          </p:nvPr>
+        </p:nvSpPr>
+        <p:spPr/>
+        <p:txBody>
+          <a:bodyPr/>
+          <a:lstStyle/>
+          <a:p>
+            <a:r>
+              <a:rPr lang="en-US" dirty="0"/>
+              <a:t>An event-bound output property</a:t>
+            </a:r>
+          </a:p>
+        </p:txBody>
+      </p:sp>
+      <p:pic>
+        <p:nvPicPr>
+          <p:cNvPr id="5" name="Picture 4"/>
+          <p:cNvPicPr>
+            <a:picLocks noChangeAspect="1"/>
+          </p:cNvPicPr>
+          <p:nvPr/>
+        </p:nvPicPr>
+        <p:blipFill>
+          <a:blip r:embed="rId2"/>
+          <a:stretch>
+            <a:fillRect/>
+          </a:stretch>
+        </p:blipFill>
+        <p:spPr>
+          <a:xfrm>
+            <a:off x="457200" y="2490787"/>
+            <a:ext cx="7134225" cy="2409825"/>
           </a:xfrm>
           <a:prstGeom prst="rect">
             <a:avLst/>
@@ -2913,15 +3129,15 @@
           <p:nvPr/>
         </p:nvPicPr>
         <p:blipFill>
-          <a:blip r:embed="rId4"/>
+          <a:blip r:embed="rId3"/>
           <a:stretch>
             <a:fillRect/>
           </a:stretch>
         </p:blipFill>
         <p:spPr>
           <a:xfrm>
-            <a:off x="3848100" y="4628114"/>
-            <a:ext cx="5067300" cy="1495425"/>
+            <a:off x="2438400" y="5084942"/>
+            <a:ext cx="6372225" cy="1266825"/>
           </a:xfrm>
           <a:prstGeom prst="rect">
             <a:avLst/>
@@ -2931,7 +3147,7 @@
     </p:spTree>
     <p:extLst>
       <p:ext uri="{BB962C8B-B14F-4D97-AF65-F5344CB8AC3E}">
-        <p14:creationId xmlns:p14="http://schemas.microsoft.com/office/powerpoint/2010/main" val="1077324932"/>
+        <p14:creationId xmlns:p14="http://schemas.microsoft.com/office/powerpoint/2010/main" val="486660686"/>
       </p:ext>
     </p:extLst>
   </p:cSld>
@@ -2975,7 +3191,7 @@
                                           </p:stCondLst>
                                         </p:cTn>
                                         <p:tgtEl>
-                                          <p:spTgt spid="4"/>
+                                          <p:spTgt spid="5"/>
                                         </p:tgtEl>
                                         <p:attrNameLst>
                                           <p:attrName>style.visibility</p:attrName>
@@ -2989,7 +3205,7 @@
                                       <p:cBhvr>
                                         <p:cTn id="7" dur="500"/>
                                         <p:tgtEl>
-                                          <p:spTgt spid="4"/>
+                                          <p:spTgt spid="5"/>
                                         </p:tgtEl>
                                       </p:cBhvr>
                                     </p:animEffect>
@@ -3028,7 +3244,7 @@
                                           </p:stCondLst>
                                         </p:cTn>
                                         <p:tgtEl>
-                                          <p:spTgt spid="5"/>
+                                          <p:spTgt spid="6"/>
                                         </p:tgtEl>
                                         <p:attrNameLst>
                                           <p:attrName>style.visibility</p:attrName>
@@ -3041,59 +3257,6 @@
                                     <p:animEffect transition="in" filter="fade">
                                       <p:cBhvr>
                                         <p:cTn id="12" dur="500"/>
-                                        <p:tgtEl>
-                                          <p:spTgt spid="5"/>
-                                        </p:tgtEl>
-                                      </p:cBhvr>
-                                    </p:animEffect>
-                                  </p:childTnLst>
-                                </p:cTn>
-                              </p:par>
-                            </p:childTnLst>
-                          </p:cTn>
-                        </p:par>
-                      </p:childTnLst>
-                    </p:cTn>
-                  </p:par>
-                  <p:par>
-                    <p:cTn id="13" fill="hold">
-                      <p:stCondLst>
-                        <p:cond delay="indefinite"/>
-                      </p:stCondLst>
-                      <p:childTnLst>
-                        <p:par>
-                          <p:cTn id="14" fill="hold">
-                            <p:stCondLst>
-                              <p:cond delay="0"/>
-                            </p:stCondLst>
-                            <p:childTnLst>
-                              <p:par>
-                                <p:cTn id="15" presetID="10" presetClass="entr" presetSubtype="0" fill="hold" nodeType="clickEffect">
-                                  <p:stCondLst>
-                                    <p:cond delay="0"/>
-                                  </p:stCondLst>
-                                  <p:childTnLst>
-                                    <p:set>
-                                      <p:cBhvr>
-                                        <p:cTn id="16" dur="1" fill="hold">
-                                          <p:stCondLst>
-                                            <p:cond delay="0"/>
-                                          </p:stCondLst>
-                                        </p:cTn>
-                                        <p:tgtEl>
-                                          <p:spTgt spid="6"/>
-                                        </p:tgtEl>
-                                        <p:attrNameLst>
-                                          <p:attrName>style.visibility</p:attrName>
-                                        </p:attrNameLst>
-                                      </p:cBhvr>
-                                      <p:to>
-                                        <p:strVal val="visible"/>
-                                      </p:to>
-                                    </p:set>
-                                    <p:animEffect transition="in" filter="fade">
-                                      <p:cBhvr>
-                                        <p:cTn id="17" dur="500"/>
                                         <p:tgtEl>
                                           <p:spTgt spid="6"/>
                                         </p:tgtEl>
@@ -3133,7 +3296,7 @@
 </p:sld>
 </file>
 
-<file path=ppt/slides/slide3.xml><?xml version="1.0" encoding="utf-8"?>
+<file path=ppt/slides/slide5.xml><?xml version="1.0" encoding="utf-8"?>
 <p:sld xmlns:a="http://schemas.openxmlformats.org/drawingml/2006/main" xmlns:r="http://schemas.openxmlformats.org/officeDocument/2006/relationships" xmlns:p="http://schemas.openxmlformats.org/presentationml/2006/main">
   <p:cSld>
     <p:spTree>
@@ -3166,10 +3329,9 @@
           <a:lstStyle/>
           <a:p>
             <a:r>
-              <a:rPr lang="en-US" dirty="0" smtClean="0"/>
+              <a:rPr lang="en-US" dirty="0"/>
               <a:t>Components versus Directives</a:t>
             </a:r>
-            <a:endParaRPr lang="en-US" dirty="0"/>
           </a:p>
         </p:txBody>
       </p:sp>
@@ -3189,29 +3351,28 @@
           <a:lstStyle/>
           <a:p>
             <a:r>
-              <a:rPr lang="en-US" dirty="0" smtClean="0"/>
+              <a:rPr lang="en-US" dirty="0"/>
               <a:t>Directives require no template</a:t>
             </a:r>
           </a:p>
           <a:p>
             <a:pPr lvl="1"/>
             <a:r>
-              <a:rPr lang="en-US" dirty="0" smtClean="0"/>
+              <a:rPr lang="en-US" dirty="0"/>
               <a:t>But, can work with templates</a:t>
             </a:r>
           </a:p>
           <a:p>
             <a:r>
-              <a:rPr lang="en-US" dirty="0" smtClean="0"/>
+              <a:rPr lang="en-US" dirty="0"/>
               <a:t>Components are directives, but with a template</a:t>
             </a:r>
-            <a:endParaRPr lang="en-US" dirty="0"/>
           </a:p>
         </p:txBody>
       </p:sp>
       <p:pic>
         <p:nvPicPr>
-          <p:cNvPr id="4" name="Picture 3"/>
+          <p:cNvPr id="5" name="Picture 4"/>
           <p:cNvPicPr>
             <a:picLocks noChangeAspect="1"/>
           </p:cNvPicPr>
@@ -3225,8 +3386,8 @@
         </p:blipFill>
         <p:spPr>
           <a:xfrm>
-            <a:off x="1447800" y="3276600"/>
-            <a:ext cx="5686425" cy="2314575"/>
+            <a:off x="1143000" y="2733828"/>
+            <a:ext cx="6915150" cy="3590772"/>
           </a:xfrm>
           <a:prstGeom prst="rect">
             <a:avLst/>
@@ -3249,7 +3410,7 @@
 </p:sld>
 </file>
 
-<file path=ppt/slides/slide4.xml><?xml version="1.0" encoding="utf-8"?>
+<file path=ppt/slides/slide6.xml><?xml version="1.0" encoding="utf-8"?>
 <p:sld xmlns:a="http://schemas.openxmlformats.org/drawingml/2006/main" xmlns:r="http://schemas.openxmlformats.org/officeDocument/2006/relationships" xmlns:p="http://schemas.openxmlformats.org/presentationml/2006/main">
   <p:cSld>
     <p:spTree>
@@ -3282,10 +3443,9 @@
           <a:lstStyle/>
           <a:p>
             <a:r>
-              <a:rPr lang="en-US" dirty="0" smtClean="0"/>
+              <a:rPr lang="en-US" dirty="0"/>
               <a:t>Lifecycle</a:t>
             </a:r>
-            <a:endParaRPr lang="en-US" dirty="0"/>
           </a:p>
         </p:txBody>
       </p:sp>
@@ -3305,121 +3465,108 @@
           <a:lstStyle/>
           <a:p>
             <a:r>
-              <a:rPr lang="en-US" dirty="0" smtClean="0"/>
+              <a:rPr lang="en-US" dirty="0"/>
               <a:t>Methods </a:t>
             </a:r>
             <a:r>
-              <a:rPr lang="en-US" dirty="0" err="1" smtClean="0"/>
+              <a:rPr lang="en-US" dirty="0" err="1"/>
               <a:t>ngOnInit</a:t>
             </a:r>
             <a:r>
               <a:rPr lang="en-US" dirty="0"/>
-              <a:t> </a:t>
-            </a:r>
-            <a:r>
-              <a:rPr lang="en-US" dirty="0" smtClean="0"/>
-              <a:t>and </a:t>
-            </a:r>
-            <a:r>
-              <a:rPr lang="en-US" dirty="0" err="1" smtClean="0"/>
+              <a:t> and </a:t>
+            </a:r>
+            <a:r>
+              <a:rPr lang="en-US" dirty="0" err="1"/>
               <a:t>ngOnDestroy</a:t>
             </a:r>
             <a:r>
-              <a:rPr lang="en-US" dirty="0" smtClean="0"/>
+              <a:rPr lang="en-US" dirty="0"/>
               <a:t> invoked by framework</a:t>
             </a:r>
           </a:p>
           <a:p>
             <a:pPr lvl="1"/>
             <a:r>
-              <a:rPr lang="en-US" dirty="0" smtClean="0"/>
+              <a:rPr lang="en-US" dirty="0"/>
               <a:t>Optional interfaces are </a:t>
             </a:r>
             <a:r>
-              <a:rPr lang="en-US" dirty="0" err="1" smtClean="0"/>
+              <a:rPr lang="en-US" dirty="0" err="1"/>
               <a:t>OnInit</a:t>
             </a:r>
             <a:r>
-              <a:rPr lang="en-US" dirty="0" smtClean="0"/>
+              <a:rPr lang="en-US" dirty="0"/>
               <a:t>, </a:t>
             </a:r>
             <a:r>
-              <a:rPr lang="en-US" dirty="0" err="1" smtClean="0"/>
-              <a:t>OnDestroy</a:t>
-            </a:r>
-            <a:r>
-              <a:rPr lang="en-US" dirty="0" err="1" smtClean="0"/>
-              <a:t>Also</a:t>
-            </a:r>
-            <a:r>
-              <a:rPr lang="en-US" dirty="0" smtClean="0"/>
+              <a:rPr lang="en-US" dirty="0" err="1"/>
+              <a:t>OnDestroyAlso</a:t>
+            </a:r>
+            <a:r>
+              <a:rPr lang="en-US" dirty="0"/>
               <a:t> …</a:t>
             </a:r>
           </a:p>
           <a:p>
             <a:r>
-              <a:rPr lang="en-US" dirty="0" smtClean="0"/>
+              <a:rPr lang="en-US" dirty="0"/>
               <a:t>Also …</a:t>
             </a:r>
           </a:p>
           <a:p>
             <a:pPr lvl="1"/>
             <a:r>
-              <a:rPr lang="en-US" dirty="0" err="1" smtClean="0"/>
+              <a:rPr lang="en-US" dirty="0" err="1"/>
               <a:t>DoCheck</a:t>
             </a:r>
             <a:r>
-              <a:rPr lang="en-US" dirty="0" smtClean="0"/>
+              <a:rPr lang="en-US" dirty="0"/>
               <a:t>, </a:t>
             </a:r>
             <a:r>
-              <a:rPr lang="en-US" dirty="0" err="1" smtClean="0"/>
+              <a:rPr lang="en-US" dirty="0" err="1"/>
               <a:t>OnChanges</a:t>
             </a:r>
             <a:r>
-              <a:rPr lang="en-US" dirty="0" smtClean="0"/>
+              <a:rPr lang="en-US" dirty="0"/>
               <a:t>, </a:t>
             </a:r>
             <a:r>
-              <a:rPr lang="en-US" dirty="0" err="1" smtClean="0"/>
+              <a:rPr lang="en-US" dirty="0" err="1"/>
               <a:t>AfterContentInit</a:t>
             </a:r>
             <a:r>
-              <a:rPr lang="en-US" dirty="0" smtClean="0"/>
+              <a:rPr lang="en-US" dirty="0"/>
               <a:t>, </a:t>
             </a:r>
             <a:r>
-              <a:rPr lang="en-US" dirty="0" err="1" smtClean="0"/>
+              <a:rPr lang="en-US" dirty="0" err="1"/>
               <a:t>AfterContentChecked</a:t>
             </a:r>
             <a:r>
-              <a:rPr lang="en-US" dirty="0" smtClean="0"/>
+              <a:rPr lang="en-US" dirty="0"/>
               <a:t>, </a:t>
             </a:r>
             <a:r>
-              <a:rPr lang="en-US" dirty="0" err="1" smtClean="0"/>
+              <a:rPr lang="en-US" dirty="0" err="1"/>
               <a:t>AfterViewInit</a:t>
             </a:r>
             <a:r>
-              <a:rPr lang="en-US" dirty="0" smtClean="0"/>
+              <a:rPr lang="en-US" dirty="0"/>
               <a:t>, </a:t>
             </a:r>
             <a:r>
-              <a:rPr lang="en-US" dirty="0" err="1" smtClean="0"/>
+              <a:rPr lang="en-US" dirty="0" err="1"/>
               <a:t>AfterViewChecked</a:t>
             </a:r>
-            <a:r>
-              <a:rPr lang="en-US" dirty="0" smtClean="0"/>
-              <a:t/>
-            </a:r>
             <a:br>
-              <a:rPr lang="en-US" dirty="0" smtClean="0"/>
+              <a:rPr lang="en-US" dirty="0"/>
             </a:br>
             <a:r>
-              <a:rPr lang="en-US" dirty="0" smtClean="0"/>
+              <a:rPr lang="en-US" dirty="0"/>
               <a:t>		</a:t>
             </a:r>
-            <a:endParaRPr lang="en-US" dirty="0"/>
           </a:p>
         </p:txBody>
       </p:sp>
@@ -3597,7 +3744,7 @@
 </p:sld>
 </file>
 
-<file path=ppt/slides/slide5.xml><?xml version="1.0" encoding="utf-8"?>
+<file path=ppt/slides/slide7.xml><?xml version="1.0" encoding="utf-8"?>
 <p:sld xmlns:a="http://schemas.openxmlformats.org/drawingml/2006/main" xmlns:r="http://schemas.openxmlformats.org/officeDocument/2006/relationships" xmlns:p="http://schemas.openxmlformats.org/presentationml/2006/main">
   <p:cSld>
     <p:spTree>
@@ -3630,14 +3777,13 @@
           <a:lstStyle/>
           <a:p>
             <a:r>
-              <a:rPr lang="en-US" dirty="0" err="1" smtClean="0"/>
+              <a:rPr lang="en-US" dirty="0" err="1"/>
               <a:t>ngOnInit</a:t>
             </a:r>
             <a:r>
-              <a:rPr lang="en-US" dirty="0" smtClean="0"/>
+              <a:rPr lang="en-US" dirty="0"/>
               <a:t> Note</a:t>
             </a:r>
-            <a:endParaRPr lang="en-US" dirty="0"/>
           </a:p>
         </p:txBody>
       </p:sp>
@@ -3657,25 +3803,24 @@
           <a:lstStyle/>
           <a:p>
             <a:r>
-              <a:rPr lang="en-US" dirty="0" smtClean="0"/>
+              <a:rPr lang="en-US" dirty="0"/>
               <a:t>Put work inside </a:t>
             </a:r>
             <a:r>
-              <a:rPr lang="en-US" dirty="0" err="1" smtClean="0"/>
+              <a:rPr lang="en-US" dirty="0" err="1"/>
               <a:t>ngOnInit</a:t>
             </a:r>
             <a:r>
-              <a:rPr lang="en-US" dirty="0" smtClean="0"/>
+              <a:rPr lang="en-US" dirty="0"/>
               <a:t> instead of constructor</a:t>
             </a:r>
           </a:p>
           <a:p>
             <a:pPr lvl="1"/>
             <a:r>
-              <a:rPr lang="en-US" dirty="0" smtClean="0"/>
+              <a:rPr lang="en-US" dirty="0"/>
               <a:t>Easier to test a component</a:t>
             </a:r>
-            <a:endParaRPr lang="en-US" dirty="0"/>
           </a:p>
         </p:txBody>
       </p:sp>
@@ -3719,396 +3864,6 @@
 </p:sld>
 </file>
 
-<file path=ppt/slides/slide6.xml><?xml version="1.0" encoding="utf-8"?>
-<p:sld xmlns:a="http://schemas.openxmlformats.org/drawingml/2006/main" xmlns:r="http://schemas.openxmlformats.org/officeDocument/2006/relationships" xmlns:p="http://schemas.openxmlformats.org/presentationml/2006/main">
-  <p:cSld>
-    <p:spTree>
-      <p:nvGrpSpPr>
-        <p:cNvPr id="1" name=""/>
-        <p:cNvGrpSpPr/>
-        <p:nvPr/>
-      </p:nvGrpSpPr>
-      <p:grpSpPr>
-        <a:xfrm>
-          <a:off x="0" y="0"/>
-          <a:ext cx="0" cy="0"/>
-          <a:chOff x="0" y="0"/>
-          <a:chExt cx="0" cy="0"/>
-        </a:xfrm>
-      </p:grpSpPr>
-      <p:sp>
-        <p:nvSpPr>
-          <p:cNvPr id="2" name="Title 1"/>
-          <p:cNvSpPr>
-            <a:spLocks noGrp="1"/>
-          </p:cNvSpPr>
-          <p:nvPr>
-            <p:ph type="title"/>
-          </p:nvPr>
-        </p:nvSpPr>
-        <p:spPr/>
-        <p:txBody>
-          <a:bodyPr/>
-          <a:lstStyle/>
-          <a:p>
-            <a:r>
-              <a:rPr lang="en-US" dirty="0" smtClean="0"/>
-              <a:t>@Input</a:t>
-            </a:r>
-            <a:endParaRPr lang="en-US" dirty="0"/>
-          </a:p>
-        </p:txBody>
-      </p:sp>
-      <p:sp>
-        <p:nvSpPr>
-          <p:cNvPr id="3" name="Text Placeholder 2"/>
-          <p:cNvSpPr>
-            <a:spLocks noGrp="1"/>
-          </p:cNvSpPr>
-          <p:nvPr>
-            <p:ph type="body" idx="1"/>
-          </p:nvPr>
-        </p:nvSpPr>
-        <p:spPr/>
-        <p:txBody>
-          <a:bodyPr/>
-          <a:lstStyle/>
-          <a:p>
-            <a:r>
-              <a:rPr lang="en-US" dirty="0" smtClean="0"/>
-              <a:t>Declares a data-bound input property</a:t>
-            </a:r>
-            <a:endParaRPr lang="en-US" dirty="0"/>
-          </a:p>
-        </p:txBody>
-      </p:sp>
-      <p:pic>
-        <p:nvPicPr>
-          <p:cNvPr id="4" name="Picture 3"/>
-          <p:cNvPicPr>
-            <a:picLocks noChangeAspect="1"/>
-          </p:cNvPicPr>
-          <p:nvPr/>
-        </p:nvPicPr>
-        <p:blipFill>
-          <a:blip r:embed="rId2"/>
-          <a:stretch>
-            <a:fillRect/>
-          </a:stretch>
-        </p:blipFill>
-        <p:spPr>
-          <a:xfrm>
-            <a:off x="690562" y="3124200"/>
-            <a:ext cx="3419475" cy="1238250"/>
-          </a:xfrm>
-          <a:prstGeom prst="rect">
-            <a:avLst/>
-          </a:prstGeom>
-        </p:spPr>
-      </p:pic>
-      <p:pic>
-        <p:nvPicPr>
-          <p:cNvPr id="5" name="Picture 4"/>
-          <p:cNvPicPr>
-            <a:picLocks noChangeAspect="1"/>
-          </p:cNvPicPr>
-          <p:nvPr/>
-        </p:nvPicPr>
-        <p:blipFill>
-          <a:blip r:embed="rId3"/>
-          <a:stretch>
-            <a:fillRect/>
-          </a:stretch>
-        </p:blipFill>
-        <p:spPr>
-          <a:xfrm>
-            <a:off x="2400300" y="4857750"/>
-            <a:ext cx="6286500" cy="742950"/>
-          </a:xfrm>
-          <a:prstGeom prst="rect">
-            <a:avLst/>
-          </a:prstGeom>
-        </p:spPr>
-      </p:pic>
-    </p:spTree>
-    <p:extLst>
-      <p:ext uri="{BB962C8B-B14F-4D97-AF65-F5344CB8AC3E}">
-        <p14:creationId xmlns:p14="http://schemas.microsoft.com/office/powerpoint/2010/main" val="1303173118"/>
-      </p:ext>
-    </p:extLst>
-  </p:cSld>
-  <p:clrMapOvr>
-    <a:masterClrMapping/>
-  </p:clrMapOvr>
-  <p:transition>
-    <p:fade/>
-  </p:transition>
-</p:sld>
-</file>
-
-<file path=ppt/slides/slide7.xml><?xml version="1.0" encoding="utf-8"?>
-<p:sld xmlns:a="http://schemas.openxmlformats.org/drawingml/2006/main" xmlns:r="http://schemas.openxmlformats.org/officeDocument/2006/relationships" xmlns:p="http://schemas.openxmlformats.org/presentationml/2006/main">
-  <p:cSld>
-    <p:spTree>
-      <p:nvGrpSpPr>
-        <p:cNvPr id="1" name=""/>
-        <p:cNvGrpSpPr/>
-        <p:nvPr/>
-      </p:nvGrpSpPr>
-      <p:grpSpPr>
-        <a:xfrm>
-          <a:off x="0" y="0"/>
-          <a:ext cx="0" cy="0"/>
-          <a:chOff x="0" y="0"/>
-          <a:chExt cx="0" cy="0"/>
-        </a:xfrm>
-      </p:grpSpPr>
-      <p:sp>
-        <p:nvSpPr>
-          <p:cNvPr id="2" name="Title 1"/>
-          <p:cNvSpPr>
-            <a:spLocks noGrp="1"/>
-          </p:cNvSpPr>
-          <p:nvPr>
-            <p:ph type="title"/>
-          </p:nvPr>
-        </p:nvSpPr>
-        <p:spPr/>
-        <p:txBody>
-          <a:bodyPr/>
-          <a:lstStyle/>
-          <a:p>
-            <a:r>
-              <a:rPr lang="en-US" dirty="0" smtClean="0"/>
-              <a:t>@Output</a:t>
-            </a:r>
-            <a:endParaRPr lang="en-US" dirty="0"/>
-          </a:p>
-        </p:txBody>
-      </p:sp>
-      <p:sp>
-        <p:nvSpPr>
-          <p:cNvPr id="3" name="Text Placeholder 2"/>
-          <p:cNvSpPr>
-            <a:spLocks noGrp="1"/>
-          </p:cNvSpPr>
-          <p:nvPr>
-            <p:ph type="body" idx="1"/>
-          </p:nvPr>
-        </p:nvSpPr>
-        <p:spPr/>
-        <p:txBody>
-          <a:bodyPr/>
-          <a:lstStyle/>
-          <a:p>
-            <a:r>
-              <a:rPr lang="en-US" dirty="0" smtClean="0"/>
-              <a:t>An event-bound output property</a:t>
-            </a:r>
-            <a:endParaRPr lang="en-US" dirty="0"/>
-          </a:p>
-        </p:txBody>
-      </p:sp>
-      <p:pic>
-        <p:nvPicPr>
-          <p:cNvPr id="5" name="Picture 4"/>
-          <p:cNvPicPr>
-            <a:picLocks noChangeAspect="1"/>
-          </p:cNvPicPr>
-          <p:nvPr/>
-        </p:nvPicPr>
-        <p:blipFill>
-          <a:blip r:embed="rId2"/>
-          <a:stretch>
-            <a:fillRect/>
-          </a:stretch>
-        </p:blipFill>
-        <p:spPr>
-          <a:xfrm>
-            <a:off x="457200" y="2490787"/>
-            <a:ext cx="7134225" cy="2409825"/>
-          </a:xfrm>
-          <a:prstGeom prst="rect">
-            <a:avLst/>
-          </a:prstGeom>
-        </p:spPr>
-      </p:pic>
-      <p:pic>
-        <p:nvPicPr>
-          <p:cNvPr id="6" name="Picture 5"/>
-          <p:cNvPicPr>
-            <a:picLocks noChangeAspect="1"/>
-          </p:cNvPicPr>
-          <p:nvPr/>
-        </p:nvPicPr>
-        <p:blipFill>
-          <a:blip r:embed="rId3"/>
-          <a:stretch>
-            <a:fillRect/>
-          </a:stretch>
-        </p:blipFill>
-        <p:spPr>
-          <a:xfrm>
-            <a:off x="2438400" y="5084942"/>
-            <a:ext cx="6372225" cy="1266825"/>
-          </a:xfrm>
-          <a:prstGeom prst="rect">
-            <a:avLst/>
-          </a:prstGeom>
-        </p:spPr>
-      </p:pic>
-    </p:spTree>
-    <p:extLst>
-      <p:ext uri="{BB962C8B-B14F-4D97-AF65-F5344CB8AC3E}">
-        <p14:creationId xmlns:p14="http://schemas.microsoft.com/office/powerpoint/2010/main" val="294940001"/>
-      </p:ext>
-    </p:extLst>
-  </p:cSld>
-  <p:clrMapOvr>
-    <a:masterClrMapping/>
-  </p:clrMapOvr>
-  <p:transition>
-    <p:fade/>
-  </p:transition>
-  <p:timing>
-    <p:tnLst>
-      <p:par>
-        <p:cTn id="1" dur="indefinite" restart="never" nodeType="tmRoot">
-          <p:childTnLst>
-            <p:seq concurrent="1" nextAc="seek">
-              <p:cTn id="2" dur="indefinite" nodeType="mainSeq">
-                <p:childTnLst>
-                  <p:par>
-                    <p:cTn id="3" fill="hold">
-                      <p:stCondLst>
-                        <p:cond delay="indefinite"/>
-                      </p:stCondLst>
-                      <p:childTnLst>
-                        <p:par>
-                          <p:cTn id="4" fill="hold">
-                            <p:stCondLst>
-                              <p:cond delay="0"/>
-                            </p:stCondLst>
-                            <p:childTnLst>
-                              <p:par>
-                                <p:cTn id="5" presetID="10" presetClass="entr" presetSubtype="0" fill="hold" nodeType="clickEffect">
-                                  <p:stCondLst>
-                                    <p:cond delay="0"/>
-                                  </p:stCondLst>
-                                  <p:childTnLst>
-                                    <p:set>
-                                      <p:cBhvr>
-                                        <p:cTn id="6" dur="1" fill="hold">
-                                          <p:stCondLst>
-                                            <p:cond delay="0"/>
-                                          </p:stCondLst>
-                                        </p:cTn>
-                                        <p:tgtEl>
-                                          <p:spTgt spid="5"/>
-                                        </p:tgtEl>
-                                        <p:attrNameLst>
-                                          <p:attrName>style.visibility</p:attrName>
-                                        </p:attrNameLst>
-                                      </p:cBhvr>
-                                      <p:to>
-                                        <p:strVal val="visible"/>
-                                      </p:to>
-                                    </p:set>
-                                    <p:animEffect transition="in" filter="fade">
-                                      <p:cBhvr>
-                                        <p:cTn id="7" dur="500"/>
-                                        <p:tgtEl>
-                                          <p:spTgt spid="5"/>
-                                        </p:tgtEl>
-                                      </p:cBhvr>
-                                    </p:animEffect>
-                                  </p:childTnLst>
-                                </p:cTn>
-                              </p:par>
-                            </p:childTnLst>
-                          </p:cTn>
-                        </p:par>
-                      </p:childTnLst>
-                    </p:cTn>
-                  </p:par>
-                  <p:par>
-                    <p:cTn id="8" fill="hold">
-                      <p:stCondLst>
-                        <p:cond delay="indefinite"/>
-                      </p:stCondLst>
-                      <p:childTnLst>
-                        <p:par>
-                          <p:cTn id="9" fill="hold">
-                            <p:stCondLst>
-                              <p:cond delay="0"/>
-                            </p:stCondLst>
-                            <p:childTnLst>
-                              <p:par>
-                                <p:cTn id="10" presetID="10" presetClass="entr" presetSubtype="0" fill="hold" nodeType="clickEffect">
-                                  <p:stCondLst>
-                                    <p:cond delay="0"/>
-                                  </p:stCondLst>
-                                  <p:childTnLst>
-                                    <p:set>
-                                      <p:cBhvr>
-                                        <p:cTn id="11" dur="1" fill="hold">
-                                          <p:stCondLst>
-                                            <p:cond delay="0"/>
-                                          </p:stCondLst>
-                                        </p:cTn>
-                                        <p:tgtEl>
-                                          <p:spTgt spid="6"/>
-                                        </p:tgtEl>
-                                        <p:attrNameLst>
-                                          <p:attrName>style.visibility</p:attrName>
-                                        </p:attrNameLst>
-                                      </p:cBhvr>
-                                      <p:to>
-                                        <p:strVal val="visible"/>
-                                      </p:to>
-                                    </p:set>
-                                    <p:animEffect transition="in" filter="fade">
-                                      <p:cBhvr>
-                                        <p:cTn id="12" dur="500"/>
-                                        <p:tgtEl>
-                                          <p:spTgt spid="6"/>
-                                        </p:tgtEl>
-                                      </p:cBhvr>
-                                    </p:animEffect>
-                                  </p:childTnLst>
-                                </p:cTn>
-                              </p:par>
-                            </p:childTnLst>
-                          </p:cTn>
-                        </p:par>
-                      </p:childTnLst>
-                    </p:cTn>
-                  </p:par>
-                </p:childTnLst>
-              </p:cTn>
-              <p:prevCondLst>
-                <p:cond evt="onPrev" delay="0">
-                  <p:tgtEl>
-                    <p:sldTgt/>
-                  </p:tgtEl>
-                </p:cond>
-              </p:prevCondLst>
-              <p:nextCondLst>
-                <p:cond evt="onNext" delay="0">
-                  <p:tgtEl>
-                    <p:sldTgt/>
-                  </p:tgtEl>
-                </p:cond>
-              </p:nextCondLst>
-            </p:seq>
-          </p:childTnLst>
-        </p:cTn>
-      </p:par>
-    </p:tnLst>
-  </p:timing>
-</p:sld>
-</file>
-
 <file path=ppt/slides/slide8.xml><?xml version="1.0" encoding="utf-8"?>
 <p:sld xmlns:a="http://schemas.openxmlformats.org/drawingml/2006/main" xmlns:r="http://schemas.openxmlformats.org/officeDocument/2006/relationships" xmlns:p="http://schemas.openxmlformats.org/presentationml/2006/main">
   <p:cSld>
@@ -4142,10 +3897,9 @@
           <a:lstStyle/>
           <a:p>
             <a:r>
-              <a:rPr lang="en-US" dirty="0" smtClean="0"/>
+              <a:rPr lang="en-US" dirty="0"/>
               <a:t>Decorator Directives</a:t>
             </a:r>
-            <a:endParaRPr lang="en-US" dirty="0"/>
           </a:p>
         </p:txBody>
       </p:sp>
@@ -4165,10 +3919,9 @@
           <a:lstStyle/>
           <a:p>
             <a:r>
-              <a:rPr lang="en-US" dirty="0" smtClean="0"/>
+              <a:rPr lang="en-US" dirty="0"/>
               <a:t>Attributes to add behavior to a DOM element</a:t>
             </a:r>
-            <a:endParaRPr lang="en-US" dirty="0"/>
           </a:p>
         </p:txBody>
       </p:sp>
@@ -4245,10 +3998,9 @@
           <a:lstStyle/>
           <a:p>
             <a:r>
-              <a:rPr lang="en-US" dirty="0" smtClean="0"/>
+              <a:rPr lang="en-US" dirty="0"/>
               <a:t>Directives with Content</a:t>
             </a:r>
-            <a:endParaRPr lang="en-US" dirty="0"/>
           </a:p>
         </p:txBody>
       </p:sp>
@@ -4268,18 +4020,17 @@
           <a:lstStyle/>
           <a:p>
             <a:r>
-              <a:rPr lang="en-US" dirty="0" smtClean="0"/>
+              <a:rPr lang="en-US" dirty="0"/>
               <a:t>Use ng-content to </a:t>
             </a:r>
             <a:r>
-              <a:rPr lang="en-US" dirty="0" err="1" smtClean="0"/>
+              <a:rPr lang="en-US" dirty="0" err="1"/>
               <a:t>transclude</a:t>
             </a:r>
             <a:r>
-              <a:rPr lang="en-US" dirty="0" smtClean="0"/>
+              <a:rPr lang="en-US" dirty="0"/>
               <a:t> content from client template</a:t>
             </a:r>
-            <a:endParaRPr lang="en-US" dirty="0"/>
           </a:p>
         </p:txBody>
       </p:sp>
